--- a/Prezentacija projekata/Servisno-orijentisane arhitekture – Projekti.pptx
+++ b/Prezentacija projekata/Servisno-orijentisane arhitekture – Projekti.pptx
@@ -10,11 +10,14 @@
     <p:sldId id="258" r:id="rId4"/>
     <p:sldId id="261" r:id="rId5"/>
     <p:sldId id="259" r:id="rId6"/>
-    <p:sldId id="260" r:id="rId7"/>
-    <p:sldId id="262" r:id="rId8"/>
-    <p:sldId id="263" r:id="rId9"/>
-    <p:sldId id="264" r:id="rId10"/>
-    <p:sldId id="265" r:id="rId11"/>
+    <p:sldId id="266" r:id="rId7"/>
+    <p:sldId id="260" r:id="rId8"/>
+    <p:sldId id="262" r:id="rId9"/>
+    <p:sldId id="263" r:id="rId10"/>
+    <p:sldId id="264" r:id="rId11"/>
+    <p:sldId id="267" r:id="rId12"/>
+    <p:sldId id="268" r:id="rId13"/>
+    <p:sldId id="265" r:id="rId14"/>
   </p:sldIdLst>
   <p:sldSz cx="12192000" cy="6858000"/>
   <p:notesSz cx="6858000" cy="9144000"/>
@@ -7843,6 +7846,857 @@
           <p:cNvPr id="2" name="Title 1">
             <a:extLst>
               <a:ext uri="{FF2B5EF4-FFF2-40B4-BE49-F238E27FC236}">
+                <a16:creationId xmlns:a16="http://schemas.microsoft.com/office/drawing/2014/main" id="{994149CB-34CF-492E-8595-389CA527F103}"/>
+              </a:ext>
+            </a:extLst>
+          </p:cNvPr>
+          <p:cNvSpPr>
+            <a:spLocks noGrp="1"/>
+          </p:cNvSpPr>
+          <p:nvPr>
+            <p:ph type="title"/>
+          </p:nvPr>
+        </p:nvSpPr>
+        <p:spPr>
+          <a:xfrm>
+            <a:off x="2273643" y="624110"/>
+            <a:ext cx="9230969" cy="1280890"/>
+          </a:xfrm>
+        </p:spPr>
+        <p:txBody>
+          <a:bodyPr/>
+          <a:lstStyle/>
+          <a:p>
+            <a:pPr algn="ctr"/>
+            <a:r>
+              <a:rPr lang="sr-Latn-RS" dirty="0"/>
+              <a:t>Projekat </a:t>
+            </a:r>
+            <a:r>
+              <a:rPr lang="en-US" dirty="0"/>
+              <a:t>2</a:t>
+            </a:r>
+            <a:r>
+              <a:rPr lang="sr-Latn-RS" dirty="0"/>
+              <a:t> – Arhitektura</a:t>
+            </a:r>
+            <a:endParaRPr lang="en-US" dirty="0"/>
+          </a:p>
+        </p:txBody>
+      </p:sp>
+      <p:sp>
+        <p:nvSpPr>
+          <p:cNvPr id="4" name="Content Placeholder 3">
+            <a:extLst>
+              <a:ext uri="{FF2B5EF4-FFF2-40B4-BE49-F238E27FC236}">
+                <a16:creationId xmlns:a16="http://schemas.microsoft.com/office/drawing/2014/main" id="{F6E1974F-A403-4528-811C-E0B47A26DB2F}"/>
+              </a:ext>
+            </a:extLst>
+          </p:cNvPr>
+          <p:cNvSpPr>
+            <a:spLocks noGrp="1"/>
+          </p:cNvSpPr>
+          <p:nvPr>
+            <p:ph idx="1"/>
+          </p:nvPr>
+        </p:nvSpPr>
+        <p:spPr>
+          <a:xfrm>
+            <a:off x="2273643" y="1556951"/>
+            <a:ext cx="9230968" cy="4354271"/>
+          </a:xfrm>
+        </p:spPr>
+        <p:txBody>
+          <a:bodyPr>
+            <a:normAutofit/>
+          </a:bodyPr>
+          <a:lstStyle/>
+          <a:p>
+            <a:r>
+              <a:rPr lang="en-US" dirty="0" err="1"/>
+              <a:t>Klijent</a:t>
+            </a:r>
+            <a:r>
+              <a:rPr lang="en-US" dirty="0"/>
+              <a:t> </a:t>
+            </a:r>
+            <a:r>
+              <a:rPr lang="en-US" dirty="0" err="1"/>
+              <a:t>komunicira</a:t>
+            </a:r>
+            <a:r>
+              <a:rPr lang="en-US" dirty="0"/>
+              <a:t> </a:t>
+            </a:r>
+            <a:r>
+              <a:rPr lang="en-US" dirty="0" err="1"/>
+              <a:t>sa</a:t>
+            </a:r>
+            <a:r>
+              <a:rPr lang="en-US" dirty="0"/>
+              <a:t> </a:t>
+            </a:r>
+            <a:r>
+              <a:rPr lang="en-US" dirty="0" err="1"/>
+              <a:t>postojecim</a:t>
+            </a:r>
+            <a:r>
+              <a:rPr lang="en-US" dirty="0"/>
+              <a:t> Gateway </a:t>
+            </a:r>
+            <a:r>
+              <a:rPr lang="en-US" dirty="0" err="1"/>
+              <a:t>servisom</a:t>
+            </a:r>
+            <a:r>
+              <a:rPr lang="en-US" dirty="0"/>
+              <a:t> </a:t>
+            </a:r>
+            <a:r>
+              <a:rPr lang="en-US" dirty="0" err="1"/>
+              <a:t>iz</a:t>
+            </a:r>
+            <a:r>
+              <a:rPr lang="en-US" dirty="0"/>
+              <a:t> </a:t>
+            </a:r>
+            <a:r>
+              <a:rPr lang="en-US" dirty="0" err="1"/>
+              <a:t>prvog</a:t>
+            </a:r>
+            <a:r>
+              <a:rPr lang="en-US" dirty="0"/>
+              <a:t> </a:t>
+            </a:r>
+            <a:r>
+              <a:rPr lang="en-US" dirty="0" err="1"/>
+              <a:t>projekta</a:t>
+            </a:r>
+            <a:endParaRPr lang="en-US" dirty="0"/>
+          </a:p>
+          <a:p>
+            <a:r>
+              <a:rPr lang="en-US" dirty="0" err="1"/>
+              <a:t>Simuliranje</a:t>
+            </a:r>
+            <a:r>
+              <a:rPr lang="en-US" dirty="0"/>
+              <a:t> </a:t>
+            </a:r>
+            <a:r>
+              <a:rPr lang="en-US" dirty="0" err="1"/>
+              <a:t>senzora</a:t>
+            </a:r>
+            <a:r>
+              <a:rPr lang="en-US" dirty="0"/>
+              <a:t> se moze </a:t>
+            </a:r>
+            <a:r>
+              <a:rPr lang="en-US" dirty="0" err="1"/>
+              <a:t>odraditi</a:t>
+            </a:r>
+            <a:r>
+              <a:rPr lang="en-US" dirty="0"/>
+              <a:t> </a:t>
+            </a:r>
+            <a:r>
+              <a:rPr lang="en-US" dirty="0" err="1"/>
+              <a:t>pozivom</a:t>
+            </a:r>
+            <a:r>
+              <a:rPr lang="en-US" dirty="0"/>
+              <a:t> API </a:t>
+            </a:r>
+            <a:r>
+              <a:rPr lang="en-US" dirty="0" err="1"/>
+              <a:t>funkcije</a:t>
+            </a:r>
+            <a:r>
+              <a:rPr lang="en-US" dirty="0"/>
+              <a:t> </a:t>
+            </a:r>
+          </a:p>
+          <a:p>
+            <a:r>
+              <a:rPr lang="en-US" dirty="0" err="1"/>
+              <a:t>Ocitane</a:t>
+            </a:r>
+            <a:r>
+              <a:rPr lang="en-US" dirty="0"/>
+              <a:t> </a:t>
+            </a:r>
+            <a:r>
+              <a:rPr lang="en-US" dirty="0" err="1"/>
+              <a:t>podatke</a:t>
+            </a:r>
+            <a:r>
+              <a:rPr lang="en-US" dirty="0"/>
+              <a:t> Gateway salje Analytics </a:t>
+            </a:r>
+            <a:r>
+              <a:rPr lang="en-US" dirty="0" err="1"/>
+              <a:t>servisu</a:t>
+            </a:r>
+            <a:r>
+              <a:rPr lang="en-US" dirty="0"/>
+              <a:t> </a:t>
+            </a:r>
+            <a:r>
+              <a:rPr lang="en-US" dirty="0" err="1"/>
+              <a:t>preko</a:t>
+            </a:r>
+            <a:r>
+              <a:rPr lang="en-US" dirty="0"/>
+              <a:t> MQTT </a:t>
+            </a:r>
+            <a:r>
+              <a:rPr lang="en-US" dirty="0" err="1"/>
+              <a:t>protokola</a:t>
+            </a:r>
+            <a:r>
+              <a:rPr lang="en-US" dirty="0"/>
+              <a:t> </a:t>
+            </a:r>
+            <a:r>
+              <a:rPr lang="en-US" dirty="0" err="1"/>
+              <a:t>koriscenjem</a:t>
+            </a:r>
+            <a:r>
+              <a:rPr lang="en-US" dirty="0"/>
+              <a:t> </a:t>
+            </a:r>
+            <a:r>
+              <a:rPr lang="en-US" dirty="0" err="1"/>
+              <a:t>Mosquitto</a:t>
+            </a:r>
+            <a:r>
+              <a:rPr lang="en-US" dirty="0"/>
+              <a:t> </a:t>
+            </a:r>
+            <a:r>
+              <a:rPr lang="en-US" dirty="0" err="1"/>
+              <a:t>implementaciju</a:t>
+            </a:r>
+            <a:endParaRPr lang="en-US" dirty="0"/>
+          </a:p>
+          <a:p>
+            <a:r>
+              <a:rPr lang="en-US" dirty="0"/>
+              <a:t>Analytics </a:t>
+            </a:r>
+            <a:r>
+              <a:rPr lang="en-US" dirty="0" err="1"/>
+              <a:t>servis</a:t>
+            </a:r>
+            <a:r>
+              <a:rPr lang="en-US" dirty="0"/>
+              <a:t> je </a:t>
+            </a:r>
+            <a:r>
+              <a:rPr lang="en-US" dirty="0" err="1"/>
+              <a:t>pisan</a:t>
+            </a:r>
+            <a:r>
+              <a:rPr lang="en-US" dirty="0"/>
+              <a:t> je </a:t>
+            </a:r>
+            <a:r>
+              <a:rPr lang="en-US" dirty="0" err="1"/>
+              <a:t>takodje</a:t>
+            </a:r>
+            <a:r>
+              <a:rPr lang="en-US" dirty="0"/>
+              <a:t> </a:t>
+            </a:r>
+            <a:r>
+              <a:rPr lang="en-US" dirty="0" err="1"/>
+              <a:t>pisan</a:t>
+            </a:r>
+            <a:r>
+              <a:rPr lang="en-US" dirty="0"/>
+              <a:t> u </a:t>
+            </a:r>
+            <a:r>
+              <a:rPr lang="en-US" dirty="0" err="1"/>
+              <a:t>.Net</a:t>
+            </a:r>
+            <a:r>
+              <a:rPr lang="en-US" dirty="0"/>
+              <a:t> framework</a:t>
+            </a:r>
+          </a:p>
+          <a:p>
+            <a:r>
+              <a:rPr lang="en-US" dirty="0"/>
+              <a:t>On </a:t>
+            </a:r>
+            <a:r>
+              <a:rPr lang="en-US" dirty="0" err="1"/>
+              <a:t>prosledjuje</a:t>
+            </a:r>
+            <a:r>
+              <a:rPr lang="en-US" dirty="0"/>
+              <a:t> </a:t>
+            </a:r>
+            <a:r>
+              <a:rPr lang="en-US" dirty="0" err="1"/>
+              <a:t>podatke</a:t>
+            </a:r>
+            <a:r>
+              <a:rPr lang="en-US" dirty="0"/>
+              <a:t> </a:t>
+            </a:r>
+            <a:r>
+              <a:rPr lang="en-US" dirty="0" err="1"/>
+              <a:t>eKuiperu</a:t>
+            </a:r>
+            <a:r>
+              <a:rPr lang="en-US" dirty="0"/>
+              <a:t> </a:t>
+            </a:r>
+            <a:r>
+              <a:rPr lang="en-US" dirty="0" err="1"/>
+              <a:t>putem</a:t>
+            </a:r>
+            <a:r>
+              <a:rPr lang="en-US" dirty="0"/>
+              <a:t> MQTT </a:t>
+            </a:r>
+            <a:r>
+              <a:rPr lang="en-US" dirty="0" err="1"/>
+              <a:t>protokla</a:t>
+            </a:r>
+            <a:r>
+              <a:rPr lang="en-US" dirty="0"/>
+              <a:t> </a:t>
+            </a:r>
+            <a:r>
+              <a:rPr lang="en-US" dirty="0" err="1"/>
+              <a:t>na</a:t>
+            </a:r>
+            <a:r>
+              <a:rPr lang="en-US" dirty="0"/>
+              <a:t> </a:t>
+            </a:r>
+            <a:r>
+              <a:rPr lang="en-US" dirty="0" err="1"/>
+              <a:t>analizu</a:t>
+            </a:r>
+            <a:endParaRPr lang="en-US" dirty="0"/>
+          </a:p>
+          <a:p>
+            <a:r>
+              <a:rPr lang="en-US" dirty="0"/>
+              <a:t>Za </a:t>
+            </a:r>
+            <a:r>
+              <a:rPr lang="en-US" dirty="0" err="1"/>
+              <a:t>podatke</a:t>
+            </a:r>
+            <a:r>
+              <a:rPr lang="en-US" dirty="0"/>
+              <a:t> </a:t>
+            </a:r>
+            <a:r>
+              <a:rPr lang="en-US" dirty="0" err="1"/>
+              <a:t>koji</a:t>
+            </a:r>
+            <a:r>
+              <a:rPr lang="en-US" dirty="0"/>
+              <a:t> </a:t>
+            </a:r>
+            <a:r>
+              <a:rPr lang="en-US" dirty="0" err="1"/>
+              <a:t>predstavljaju</a:t>
+            </a:r>
+            <a:r>
+              <a:rPr lang="en-US" dirty="0"/>
+              <a:t> los </a:t>
+            </a:r>
+            <a:r>
+              <a:rPr lang="en-US" dirty="0" err="1"/>
+              <a:t>kvalitet</a:t>
+            </a:r>
+            <a:r>
+              <a:rPr lang="en-US" dirty="0"/>
+              <a:t> </a:t>
+            </a:r>
+            <a:r>
+              <a:rPr lang="en-US" dirty="0" err="1"/>
+              <a:t>zemljista</a:t>
+            </a:r>
+            <a:r>
+              <a:rPr lang="en-US" dirty="0"/>
+              <a:t> </a:t>
+            </a:r>
+            <a:r>
+              <a:rPr lang="en-US" dirty="0" err="1"/>
+              <a:t>eKuiper</a:t>
+            </a:r>
+            <a:r>
+              <a:rPr lang="en-US" dirty="0"/>
+              <a:t> </a:t>
+            </a:r>
+            <a:r>
+              <a:rPr lang="en-US" dirty="0" err="1"/>
+              <a:t>preko</a:t>
+            </a:r>
+            <a:r>
+              <a:rPr lang="en-US" dirty="0"/>
+              <a:t> MQTT vraca </a:t>
+            </a:r>
+            <a:r>
+              <a:rPr lang="en-US" dirty="0" err="1"/>
+              <a:t>odgovor</a:t>
+            </a:r>
+            <a:r>
+              <a:rPr lang="en-US" dirty="0"/>
+              <a:t> Analytics </a:t>
+            </a:r>
+            <a:r>
+              <a:rPr lang="en-US" dirty="0" err="1"/>
+              <a:t>servisu</a:t>
+            </a:r>
+            <a:r>
+              <a:rPr lang="en-US" dirty="0"/>
+              <a:t>.</a:t>
+            </a:r>
+          </a:p>
+          <a:p>
+            <a:r>
+              <a:rPr lang="en-US" dirty="0"/>
+              <a:t>Analytics </a:t>
+            </a:r>
+            <a:r>
+              <a:rPr lang="en-US" dirty="0" err="1"/>
+              <a:t>perzistira</a:t>
+            </a:r>
+            <a:r>
+              <a:rPr lang="en-US" dirty="0"/>
+              <a:t> </a:t>
+            </a:r>
+            <a:r>
+              <a:rPr lang="en-US" dirty="0" err="1"/>
+              <a:t>primljene</a:t>
+            </a:r>
+            <a:r>
+              <a:rPr lang="en-US" dirty="0"/>
+              <a:t> </a:t>
+            </a:r>
+            <a:r>
+              <a:rPr lang="en-US" dirty="0" err="1"/>
+              <a:t>podatke</a:t>
+            </a:r>
+            <a:r>
+              <a:rPr lang="en-US" dirty="0"/>
+              <a:t> u </a:t>
+            </a:r>
+            <a:r>
+              <a:rPr lang="en-US" dirty="0" err="1"/>
+              <a:t>InfluxDb</a:t>
+            </a:r>
+            <a:r>
+              <a:rPr lang="en-US" dirty="0"/>
+              <a:t> </a:t>
+            </a:r>
+            <a:r>
+              <a:rPr lang="en-US" dirty="0" err="1"/>
+              <a:t>bazi</a:t>
+            </a:r>
+            <a:r>
+              <a:rPr lang="en-US" dirty="0"/>
+              <a:t>. I salje </a:t>
+            </a:r>
+            <a:r>
+              <a:rPr lang="en-US" dirty="0" err="1"/>
+              <a:t>preko</a:t>
+            </a:r>
+            <a:r>
+              <a:rPr lang="en-US" dirty="0"/>
+              <a:t> </a:t>
+            </a:r>
+            <a:r>
+              <a:rPr lang="en-US" dirty="0" err="1"/>
+              <a:t>gRPC</a:t>
+            </a:r>
+            <a:r>
+              <a:rPr lang="en-US" dirty="0"/>
+              <a:t>-a obavestenje Notification </a:t>
+            </a:r>
+            <a:r>
+              <a:rPr lang="en-US" dirty="0" err="1"/>
+              <a:t>servisu</a:t>
+            </a:r>
+            <a:r>
+              <a:rPr lang="en-US" dirty="0"/>
+              <a:t> o </a:t>
+            </a:r>
+            <a:r>
+              <a:rPr lang="en-US" dirty="0" err="1"/>
+              <a:t>kvalitetu</a:t>
+            </a:r>
+            <a:r>
+              <a:rPr lang="en-US" dirty="0"/>
+              <a:t> </a:t>
+            </a:r>
+            <a:r>
+              <a:rPr lang="en-US" dirty="0" err="1"/>
+              <a:t>zemljista</a:t>
+            </a:r>
+            <a:r>
+              <a:rPr lang="en-US" dirty="0"/>
+              <a:t>.</a:t>
+            </a:r>
+          </a:p>
+          <a:p>
+            <a:r>
+              <a:rPr lang="en-US" dirty="0"/>
+              <a:t>Notification </a:t>
+            </a:r>
+            <a:r>
+              <a:rPr lang="en-US" dirty="0" err="1"/>
+              <a:t>servis</a:t>
+            </a:r>
+            <a:r>
+              <a:rPr lang="en-US" dirty="0"/>
+              <a:t> je </a:t>
+            </a:r>
+            <a:r>
+              <a:rPr lang="en-US" dirty="0" err="1"/>
+              <a:t>pisan</a:t>
+            </a:r>
+            <a:r>
+              <a:rPr lang="en-US" dirty="0"/>
+              <a:t> u </a:t>
+            </a:r>
+            <a:r>
+              <a:rPr lang="en-US" dirty="0" err="1"/>
+              <a:t>Javascript</a:t>
+            </a:r>
+            <a:r>
+              <a:rPr lang="en-US" dirty="0"/>
+              <a:t>-u </a:t>
+            </a:r>
+            <a:r>
+              <a:rPr lang="en-US" dirty="0" err="1"/>
+              <a:t>koriscenjem</a:t>
+            </a:r>
+            <a:r>
+              <a:rPr lang="en-US" dirty="0"/>
+              <a:t> Node.js framework-a.</a:t>
+            </a:r>
+          </a:p>
+        </p:txBody>
+      </p:sp>
+    </p:spTree>
+    <p:extLst>
+      <p:ext uri="{BB962C8B-B14F-4D97-AF65-F5344CB8AC3E}">
+        <p14:creationId xmlns:p14="http://schemas.microsoft.com/office/powerpoint/2010/main" val="3307038452"/>
+      </p:ext>
+    </p:extLst>
+  </p:cSld>
+  <p:clrMapOvr>
+    <a:masterClrMapping/>
+  </p:clrMapOvr>
+</p:sld>
+</file>
+
+<file path=ppt/slides/slide11.xml><?xml version="1.0" encoding="utf-8"?>
+<p:sld xmlns:a="http://schemas.openxmlformats.org/drawingml/2006/main" xmlns:r="http://schemas.openxmlformats.org/officeDocument/2006/relationships" xmlns:p="http://schemas.openxmlformats.org/presentationml/2006/main">
+  <p:cSld>
+    <p:spTree>
+      <p:nvGrpSpPr>
+        <p:cNvPr id="1" name=""/>
+        <p:cNvGrpSpPr/>
+        <p:nvPr/>
+      </p:nvGrpSpPr>
+      <p:grpSpPr>
+        <a:xfrm>
+          <a:off x="0" y="0"/>
+          <a:ext cx="0" cy="0"/>
+          <a:chOff x="0" y="0"/>
+          <a:chExt cx="0" cy="0"/>
+        </a:xfrm>
+      </p:grpSpPr>
+      <p:sp>
+        <p:nvSpPr>
+          <p:cNvPr id="2" name="Title 1">
+            <a:extLst>
+              <a:ext uri="{FF2B5EF4-FFF2-40B4-BE49-F238E27FC236}">
+                <a16:creationId xmlns:a16="http://schemas.microsoft.com/office/drawing/2014/main" id="{DF69BA27-A388-4698-B8CB-23CC654170C3}"/>
+              </a:ext>
+            </a:extLst>
+          </p:cNvPr>
+          <p:cNvSpPr>
+            <a:spLocks noGrp="1"/>
+          </p:cNvSpPr>
+          <p:nvPr>
+            <p:ph type="title"/>
+          </p:nvPr>
+        </p:nvSpPr>
+        <p:spPr>
+          <a:xfrm>
+            <a:off x="2301308" y="64955"/>
+            <a:ext cx="8911687" cy="1280890"/>
+          </a:xfrm>
+        </p:spPr>
+        <p:txBody>
+          <a:bodyPr/>
+          <a:lstStyle/>
+          <a:p>
+            <a:r>
+              <a:rPr lang="en-US" dirty="0" err="1"/>
+              <a:t>Projekat</a:t>
+            </a:r>
+            <a:r>
+              <a:rPr lang="en-US" dirty="0"/>
+              <a:t> 2 – </a:t>
+            </a:r>
+            <a:r>
+              <a:rPr lang="en-US" dirty="0" err="1"/>
+              <a:t>eKuiper</a:t>
+            </a:r>
+            <a:r>
+              <a:rPr lang="en-US" dirty="0"/>
+              <a:t> </a:t>
+            </a:r>
+          </a:p>
+        </p:txBody>
+      </p:sp>
+      <p:pic>
+        <p:nvPicPr>
+          <p:cNvPr id="5" name="Content Placeholder 4">
+            <a:extLst>
+              <a:ext uri="{FF2B5EF4-FFF2-40B4-BE49-F238E27FC236}">
+                <a16:creationId xmlns:a16="http://schemas.microsoft.com/office/drawing/2014/main" id="{BACAC5EA-7DA9-4885-9DBF-929C28196609}"/>
+              </a:ext>
+            </a:extLst>
+          </p:cNvPr>
+          <p:cNvPicPr>
+            <a:picLocks noGrp="1" noChangeAspect="1"/>
+          </p:cNvPicPr>
+          <p:nvPr>
+            <p:ph idx="1"/>
+          </p:nvPr>
+        </p:nvPicPr>
+        <p:blipFill>
+          <a:blip r:embed="rId2"/>
+          <a:stretch>
+            <a:fillRect/>
+          </a:stretch>
+        </p:blipFill>
+        <p:spPr>
+          <a:xfrm>
+            <a:off x="544263" y="746124"/>
+            <a:ext cx="5214626" cy="4460787"/>
+          </a:xfrm>
+        </p:spPr>
+      </p:pic>
+      <p:pic>
+        <p:nvPicPr>
+          <p:cNvPr id="7" name="Picture 6">
+            <a:extLst>
+              <a:ext uri="{FF2B5EF4-FFF2-40B4-BE49-F238E27FC236}">
+                <a16:creationId xmlns:a16="http://schemas.microsoft.com/office/drawing/2014/main" id="{53C6DC27-BCC5-4774-9910-B2B1BC182491}"/>
+              </a:ext>
+            </a:extLst>
+          </p:cNvPr>
+          <p:cNvPicPr>
+            <a:picLocks noChangeAspect="1"/>
+          </p:cNvPicPr>
+          <p:nvPr/>
+        </p:nvPicPr>
+        <p:blipFill>
+          <a:blip r:embed="rId3"/>
+          <a:stretch>
+            <a:fillRect/>
+          </a:stretch>
+        </p:blipFill>
+        <p:spPr>
+          <a:xfrm>
+            <a:off x="2580784" y="3991232"/>
+            <a:ext cx="7030431" cy="2438740"/>
+          </a:xfrm>
+          <a:prstGeom prst="rect">
+            <a:avLst/>
+          </a:prstGeom>
+        </p:spPr>
+      </p:pic>
+      <p:pic>
+        <p:nvPicPr>
+          <p:cNvPr id="9" name="Picture 8">
+            <a:extLst>
+              <a:ext uri="{FF2B5EF4-FFF2-40B4-BE49-F238E27FC236}">
+                <a16:creationId xmlns:a16="http://schemas.microsoft.com/office/drawing/2014/main" id="{AC05C474-D945-43EC-9E4E-26CB9F8E4EB2}"/>
+              </a:ext>
+            </a:extLst>
+          </p:cNvPr>
+          <p:cNvPicPr>
+            <a:picLocks noChangeAspect="1"/>
+          </p:cNvPicPr>
+          <p:nvPr/>
+        </p:nvPicPr>
+        <p:blipFill>
+          <a:blip r:embed="rId4"/>
+          <a:stretch>
+            <a:fillRect/>
+          </a:stretch>
+        </p:blipFill>
+        <p:spPr>
+          <a:xfrm>
+            <a:off x="5758889" y="746124"/>
+            <a:ext cx="6087325" cy="3245108"/>
+          </a:xfrm>
+          <a:prstGeom prst="rect">
+            <a:avLst/>
+          </a:prstGeom>
+        </p:spPr>
+      </p:pic>
+    </p:spTree>
+    <p:extLst>
+      <p:ext uri="{BB962C8B-B14F-4D97-AF65-F5344CB8AC3E}">
+        <p14:creationId xmlns:p14="http://schemas.microsoft.com/office/powerpoint/2010/main" val="1215858866"/>
+      </p:ext>
+    </p:extLst>
+  </p:cSld>
+  <p:clrMapOvr>
+    <a:masterClrMapping/>
+  </p:clrMapOvr>
+</p:sld>
+</file>
+
+<file path=ppt/slides/slide12.xml><?xml version="1.0" encoding="utf-8"?>
+<p:sld xmlns:a="http://schemas.openxmlformats.org/drawingml/2006/main" xmlns:r="http://schemas.openxmlformats.org/officeDocument/2006/relationships" xmlns:p="http://schemas.openxmlformats.org/presentationml/2006/main">
+  <p:cSld>
+    <p:spTree>
+      <p:nvGrpSpPr>
+        <p:cNvPr id="1" name=""/>
+        <p:cNvGrpSpPr/>
+        <p:nvPr/>
+      </p:nvGrpSpPr>
+      <p:grpSpPr>
+        <a:xfrm>
+          <a:off x="0" y="0"/>
+          <a:ext cx="0" cy="0"/>
+          <a:chOff x="0" y="0"/>
+          <a:chExt cx="0" cy="0"/>
+        </a:xfrm>
+      </p:grpSpPr>
+      <p:sp>
+        <p:nvSpPr>
+          <p:cNvPr id="2" name="Title 1">
+            <a:extLst>
+              <a:ext uri="{FF2B5EF4-FFF2-40B4-BE49-F238E27FC236}">
+                <a16:creationId xmlns:a16="http://schemas.microsoft.com/office/drawing/2014/main" id="{F5D34B6F-5197-4A6C-A898-C229B2085F73}"/>
+              </a:ext>
+            </a:extLst>
+          </p:cNvPr>
+          <p:cNvSpPr>
+            <a:spLocks noGrp="1"/>
+          </p:cNvSpPr>
+          <p:nvPr>
+            <p:ph type="title"/>
+          </p:nvPr>
+        </p:nvSpPr>
+        <p:spPr>
+          <a:xfrm>
+            <a:off x="1640156" y="220985"/>
+            <a:ext cx="8911687" cy="1280890"/>
+          </a:xfrm>
+        </p:spPr>
+        <p:txBody>
+          <a:bodyPr/>
+          <a:lstStyle/>
+          <a:p>
+            <a:pPr algn="ctr"/>
+            <a:r>
+              <a:rPr lang="en-US" dirty="0" err="1"/>
+              <a:t>Projekat</a:t>
+            </a:r>
+            <a:r>
+              <a:rPr lang="en-US" dirty="0"/>
+              <a:t> 2 – </a:t>
+            </a:r>
+            <a:r>
+              <a:rPr lang="en-US" dirty="0" err="1"/>
+              <a:t>Simulacija</a:t>
+            </a:r>
+            <a:r>
+              <a:rPr lang="en-US" dirty="0"/>
+              <a:t> </a:t>
+            </a:r>
+            <a:r>
+              <a:rPr lang="en-US" dirty="0" err="1"/>
+              <a:t>senzora</a:t>
+            </a:r>
+            <a:endParaRPr lang="en-US" dirty="0"/>
+          </a:p>
+        </p:txBody>
+      </p:sp>
+      <p:pic>
+        <p:nvPicPr>
+          <p:cNvPr id="5" name="Content Placeholder 4">
+            <a:extLst>
+              <a:ext uri="{FF2B5EF4-FFF2-40B4-BE49-F238E27FC236}">
+                <a16:creationId xmlns:a16="http://schemas.microsoft.com/office/drawing/2014/main" id="{167A06E8-7BD4-4D5A-9E33-207EED4CDD97}"/>
+              </a:ext>
+            </a:extLst>
+          </p:cNvPr>
+          <p:cNvPicPr>
+            <a:picLocks noGrp="1" noChangeAspect="1"/>
+          </p:cNvPicPr>
+          <p:nvPr>
+            <p:ph idx="1"/>
+          </p:nvPr>
+        </p:nvPicPr>
+        <p:blipFill>
+          <a:blip r:embed="rId2"/>
+          <a:stretch>
+            <a:fillRect/>
+          </a:stretch>
+        </p:blipFill>
+        <p:spPr>
+          <a:xfrm>
+            <a:off x="3026907" y="1028868"/>
+            <a:ext cx="6138186" cy="5608147"/>
+          </a:xfrm>
+        </p:spPr>
+      </p:pic>
+    </p:spTree>
+    <p:extLst>
+      <p:ext uri="{BB962C8B-B14F-4D97-AF65-F5344CB8AC3E}">
+        <p14:creationId xmlns:p14="http://schemas.microsoft.com/office/powerpoint/2010/main" val="2700596079"/>
+      </p:ext>
+    </p:extLst>
+  </p:cSld>
+  <p:clrMapOvr>
+    <a:masterClrMapping/>
+  </p:clrMapOvr>
+</p:sld>
+</file>
+
+<file path=ppt/slides/slide13.xml><?xml version="1.0" encoding="utf-8"?>
+<p:sld xmlns:a="http://schemas.openxmlformats.org/drawingml/2006/main" xmlns:r="http://schemas.openxmlformats.org/officeDocument/2006/relationships" xmlns:p="http://schemas.openxmlformats.org/presentationml/2006/main">
+  <p:cSld>
+    <p:spTree>
+      <p:nvGrpSpPr>
+        <p:cNvPr id="1" name=""/>
+        <p:cNvGrpSpPr/>
+        <p:nvPr/>
+      </p:nvGrpSpPr>
+      <p:grpSpPr>
+        <a:xfrm>
+          <a:off x="0" y="0"/>
+          <a:ext cx="0" cy="0"/>
+          <a:chOff x="0" y="0"/>
+          <a:chExt cx="0" cy="0"/>
+        </a:xfrm>
+      </p:grpSpPr>
+      <p:sp>
+        <p:nvSpPr>
+          <p:cNvPr id="2" name="Title 1">
+            <a:extLst>
+              <a:ext uri="{FF2B5EF4-FFF2-40B4-BE49-F238E27FC236}">
                 <a16:creationId xmlns:a16="http://schemas.microsoft.com/office/drawing/2014/main" id="{675A9E94-692B-41EB-A471-FFD5C29B4D8B}"/>
               </a:ext>
             </a:extLst>
@@ -7967,23 +8821,18 @@
             </a:r>
             <a:r>
               <a:rPr lang="en-US" dirty="0"/>
-              <a:t> 3 </a:t>
-            </a:r>
-            <a:r>
-              <a:rPr lang="en-US"/>
-              <a:t>- </a:t>
-            </a:r>
-            <a:r>
-              <a:rPr lang="en-US">
+              <a:t> 3 - </a:t>
+            </a:r>
+            <a:r>
+              <a:rPr lang="en-US" dirty="0">
                 <a:hlinkClick r:id="rId5"/>
               </a:rPr>
               <a:t>https://www.kaggle.com/datasets/nelakurthisudheer/dataset-for-predicting-watering-the-plants</a:t>
             </a:r>
             <a:r>
-              <a:rPr lang="en-US"/>
+              <a:rPr lang="en-US" dirty="0"/>
               <a:t> </a:t>
             </a:r>
-            <a:endParaRPr lang="en-US" dirty="0"/>
           </a:p>
         </p:txBody>
       </p:sp>
@@ -8070,8 +8919,8 @@
         </p:nvSpPr>
         <p:spPr>
           <a:xfrm>
-            <a:off x="1149178" y="2133600"/>
-            <a:ext cx="10355434" cy="3777622"/>
+            <a:off x="2026508" y="2133600"/>
+            <a:ext cx="9478104" cy="3777622"/>
           </a:xfrm>
         </p:spPr>
         <p:txBody>
@@ -8275,8 +9124,8 @@
         </p:nvSpPr>
         <p:spPr>
           <a:xfrm>
-            <a:off x="1037968" y="2133600"/>
-            <a:ext cx="10466644" cy="3777622"/>
+            <a:off x="2236572" y="2133600"/>
+            <a:ext cx="9268039" cy="3777622"/>
           </a:xfrm>
         </p:spPr>
         <p:txBody>
@@ -8633,8 +9482,12 @@
           <a:p>
             <a:pPr algn="ctr"/>
             <a:r>
-              <a:rPr lang="en-US" dirty="0"/>
-              <a:t>Swagger UI  </a:t>
+              <a:rPr lang="en-US" dirty="0" err="1"/>
+              <a:t>Projekat</a:t>
+            </a:r>
+            <a:r>
+              <a:rPr lang="en-US" dirty="0"/>
+              <a:t> 1 – Swagger UI  </a:t>
             </a:r>
           </a:p>
         </p:txBody>
@@ -8703,6 +9556,116 @@
           <p:cNvPr id="2" name="Title 1">
             <a:extLst>
               <a:ext uri="{FF2B5EF4-FFF2-40B4-BE49-F238E27FC236}">
+                <a16:creationId xmlns:a16="http://schemas.microsoft.com/office/drawing/2014/main" id="{04C6E6D7-5847-4365-B698-9670C025C476}"/>
+              </a:ext>
+            </a:extLst>
+          </p:cNvPr>
+          <p:cNvSpPr>
+            <a:spLocks noGrp="1"/>
+          </p:cNvSpPr>
+          <p:nvPr>
+            <p:ph type="title"/>
+          </p:nvPr>
+        </p:nvSpPr>
+        <p:spPr>
+          <a:xfrm>
+            <a:off x="877331" y="624110"/>
+            <a:ext cx="10627282" cy="1280890"/>
+          </a:xfrm>
+        </p:spPr>
+        <p:txBody>
+          <a:bodyPr/>
+          <a:lstStyle/>
+          <a:p>
+            <a:pPr algn="ctr"/>
+            <a:r>
+              <a:rPr lang="en-US" dirty="0" err="1"/>
+              <a:t>Projekat</a:t>
+            </a:r>
+            <a:r>
+              <a:rPr lang="en-US" dirty="0"/>
+              <a:t> 1 – </a:t>
+            </a:r>
+            <a:r>
+              <a:rPr lang="en-US" dirty="0" err="1"/>
+              <a:t>Populacija</a:t>
+            </a:r>
+            <a:r>
+              <a:rPr lang="en-US" dirty="0"/>
+              <a:t> </a:t>
+            </a:r>
+            <a:r>
+              <a:rPr lang="en-US" dirty="0" err="1"/>
+              <a:t>baze</a:t>
+            </a:r>
+            <a:endParaRPr lang="en-US" dirty="0"/>
+          </a:p>
+        </p:txBody>
+      </p:sp>
+      <p:pic>
+        <p:nvPicPr>
+          <p:cNvPr id="6" name="Content Placeholder 5">
+            <a:extLst>
+              <a:ext uri="{FF2B5EF4-FFF2-40B4-BE49-F238E27FC236}">
+                <a16:creationId xmlns:a16="http://schemas.microsoft.com/office/drawing/2014/main" id="{5B783BD5-9C54-4FDF-859A-DF66A553FDFE}"/>
+              </a:ext>
+            </a:extLst>
+          </p:cNvPr>
+          <p:cNvPicPr>
+            <a:picLocks noGrp="1" noChangeAspect="1"/>
+          </p:cNvPicPr>
+          <p:nvPr>
+            <p:ph idx="1"/>
+          </p:nvPr>
+        </p:nvPicPr>
+        <p:blipFill>
+          <a:blip r:embed="rId2"/>
+          <a:stretch>
+            <a:fillRect/>
+          </a:stretch>
+        </p:blipFill>
+        <p:spPr>
+          <a:xfrm>
+            <a:off x="2891481" y="1567107"/>
+            <a:ext cx="6607906" cy="4666783"/>
+          </a:xfrm>
+        </p:spPr>
+      </p:pic>
+    </p:spTree>
+    <p:extLst>
+      <p:ext uri="{BB962C8B-B14F-4D97-AF65-F5344CB8AC3E}">
+        <p14:creationId xmlns:p14="http://schemas.microsoft.com/office/powerpoint/2010/main" val="657158908"/>
+      </p:ext>
+    </p:extLst>
+  </p:cSld>
+  <p:clrMapOvr>
+    <a:masterClrMapping/>
+  </p:clrMapOvr>
+</p:sld>
+</file>
+
+<file path=ppt/slides/slide7.xml><?xml version="1.0" encoding="utf-8"?>
+<p:sld xmlns:a="http://schemas.openxmlformats.org/drawingml/2006/main" xmlns:r="http://schemas.openxmlformats.org/officeDocument/2006/relationships" xmlns:p="http://schemas.openxmlformats.org/presentationml/2006/main">
+  <p:cSld>
+    <p:spTree>
+      <p:nvGrpSpPr>
+        <p:cNvPr id="1" name=""/>
+        <p:cNvGrpSpPr/>
+        <p:nvPr/>
+      </p:nvGrpSpPr>
+      <p:grpSpPr>
+        <a:xfrm>
+          <a:off x="0" y="0"/>
+          <a:ext cx="0" cy="0"/>
+          <a:chOff x="0" y="0"/>
+          <a:chExt cx="0" cy="0"/>
+        </a:xfrm>
+      </p:grpSpPr>
+      <p:sp>
+        <p:nvSpPr>
+          <p:cNvPr id="2" name="Title 1">
+            <a:extLst>
+              <a:ext uri="{FF2B5EF4-FFF2-40B4-BE49-F238E27FC236}">
                 <a16:creationId xmlns:a16="http://schemas.microsoft.com/office/drawing/2014/main" id="{506E9EC4-7661-4996-9A98-2DA7BA818857}"/>
               </a:ext>
             </a:extLst>
@@ -8720,8 +9683,12 @@
           <a:lstStyle/>
           <a:p>
             <a:r>
-              <a:rPr lang="en-US" dirty="0"/>
-              <a:t>Projekat1 – Primer API </a:t>
+              <a:rPr lang="en-US" dirty="0" err="1"/>
+              <a:t>Projekat</a:t>
+            </a:r>
+            <a:r>
+              <a:rPr lang="en-US" dirty="0"/>
+              <a:t> 1 – Primer API </a:t>
             </a:r>
             <a:r>
               <a:rPr lang="en-US" dirty="0" err="1"/>
@@ -8776,397 +9743,6 @@
 </p:sld>
 </file>
 
-<file path=ppt/slides/slide7.xml><?xml version="1.0" encoding="utf-8"?>
-<p:sld xmlns:a="http://schemas.openxmlformats.org/drawingml/2006/main" xmlns:r="http://schemas.openxmlformats.org/officeDocument/2006/relationships" xmlns:p="http://schemas.openxmlformats.org/presentationml/2006/main">
-  <p:cSld>
-    <p:spTree>
-      <p:nvGrpSpPr>
-        <p:cNvPr id="1" name=""/>
-        <p:cNvGrpSpPr/>
-        <p:nvPr/>
-      </p:nvGrpSpPr>
-      <p:grpSpPr>
-        <a:xfrm>
-          <a:off x="0" y="0"/>
-          <a:ext cx="0" cy="0"/>
-          <a:chOff x="0" y="0"/>
-          <a:chExt cx="0" cy="0"/>
-        </a:xfrm>
-      </p:grpSpPr>
-      <p:sp>
-        <p:nvSpPr>
-          <p:cNvPr id="2" name="Title 1">
-            <a:extLst>
-              <a:ext uri="{FF2B5EF4-FFF2-40B4-BE49-F238E27FC236}">
-                <a16:creationId xmlns:a16="http://schemas.microsoft.com/office/drawing/2014/main" id="{F0C6AE93-FDA8-485F-B999-ECF91AD2D368}"/>
-              </a:ext>
-            </a:extLst>
-          </p:cNvPr>
-          <p:cNvSpPr>
-            <a:spLocks noGrp="1"/>
-          </p:cNvSpPr>
-          <p:nvPr>
-            <p:ph type="title"/>
-          </p:nvPr>
-        </p:nvSpPr>
-        <p:spPr>
-          <a:xfrm>
-            <a:off x="1124465" y="624110"/>
-            <a:ext cx="10380147" cy="1280890"/>
-          </a:xfrm>
-        </p:spPr>
-        <p:txBody>
-          <a:bodyPr/>
-          <a:lstStyle/>
-          <a:p>
-            <a:pPr algn="ctr"/>
-            <a:r>
-              <a:rPr lang="en-US" dirty="0" err="1"/>
-              <a:t>Projekat</a:t>
-            </a:r>
-            <a:r>
-              <a:rPr lang="en-US" dirty="0"/>
-              <a:t> 2 – </a:t>
-            </a:r>
-            <a:r>
-              <a:rPr lang="en-US" dirty="0" err="1"/>
-              <a:t>Ideja</a:t>
-            </a:r>
-            <a:r>
-              <a:rPr lang="en-US" dirty="0"/>
-              <a:t> </a:t>
-            </a:r>
-          </a:p>
-        </p:txBody>
-      </p:sp>
-      <p:sp>
-        <p:nvSpPr>
-          <p:cNvPr id="3" name="Content Placeholder 2">
-            <a:extLst>
-              <a:ext uri="{FF2B5EF4-FFF2-40B4-BE49-F238E27FC236}">
-                <a16:creationId xmlns:a16="http://schemas.microsoft.com/office/drawing/2014/main" id="{4A1495B9-0E13-4DEB-B9F9-A7490B8D61A9}"/>
-              </a:ext>
-            </a:extLst>
-          </p:cNvPr>
-          <p:cNvSpPr>
-            <a:spLocks noGrp="1"/>
-          </p:cNvSpPr>
-          <p:nvPr>
-            <p:ph idx="1"/>
-          </p:nvPr>
-        </p:nvSpPr>
-        <p:spPr>
-          <a:xfrm>
-            <a:off x="1124465" y="2133600"/>
-            <a:ext cx="10380147" cy="3777622"/>
-          </a:xfrm>
-        </p:spPr>
-        <p:txBody>
-          <a:bodyPr/>
-          <a:lstStyle/>
-          <a:p>
-            <a:r>
-              <a:rPr lang="sr-Latn-RS" dirty="0"/>
-              <a:t>Ideja </a:t>
-            </a:r>
-            <a:r>
-              <a:rPr lang="en-US" dirty="0" err="1"/>
-              <a:t>drugog</a:t>
-            </a:r>
-            <a:r>
-              <a:rPr lang="sr-Latn-RS" dirty="0"/>
-              <a:t> projekta je aplikacija koja pribavlja podatke </a:t>
-            </a:r>
-            <a:r>
-              <a:rPr lang="en-US" dirty="0" err="1"/>
-              <a:t>sa</a:t>
-            </a:r>
-            <a:r>
-              <a:rPr lang="en-US" dirty="0"/>
-              <a:t> </a:t>
-            </a:r>
-            <a:r>
-              <a:rPr lang="en-US" dirty="0" err="1"/>
-              <a:t>senzora</a:t>
-            </a:r>
-            <a:r>
-              <a:rPr lang="en-US" dirty="0"/>
-              <a:t> </a:t>
-            </a:r>
-            <a:r>
-              <a:rPr lang="sr-Latn-RS" dirty="0"/>
-              <a:t>o</a:t>
-            </a:r>
-            <a:r>
-              <a:rPr lang="en-US" dirty="0"/>
-              <a:t> </a:t>
-            </a:r>
-            <a:r>
-              <a:rPr lang="en-US" dirty="0" err="1"/>
-              <a:t>kvalitetu</a:t>
-            </a:r>
-            <a:r>
-              <a:rPr lang="sr-Latn-RS" dirty="0"/>
-              <a:t> </a:t>
-            </a:r>
-            <a:r>
-              <a:rPr lang="en-US" dirty="0" err="1"/>
-              <a:t>zemljista</a:t>
-            </a:r>
-            <a:r>
-              <a:rPr lang="en-US" dirty="0"/>
-              <a:t> </a:t>
-            </a:r>
-            <a:r>
-              <a:rPr lang="en-US" dirty="0" err="1"/>
-              <a:t>i</a:t>
-            </a:r>
-            <a:r>
-              <a:rPr lang="en-US" dirty="0"/>
-              <a:t> </a:t>
-            </a:r>
-            <a:r>
-              <a:rPr lang="en-US" dirty="0" err="1"/>
-              <a:t>vrsi</a:t>
-            </a:r>
-            <a:r>
-              <a:rPr lang="en-US" dirty="0"/>
-              <a:t> </a:t>
-            </a:r>
-            <a:r>
-              <a:rPr lang="en-US" dirty="0" err="1"/>
-              <a:t>analizu</a:t>
-            </a:r>
-            <a:r>
-              <a:rPr lang="en-US" dirty="0"/>
-              <a:t> </a:t>
-            </a:r>
-            <a:r>
-              <a:rPr lang="en-US" dirty="0" err="1"/>
-              <a:t>prikupljenih</a:t>
-            </a:r>
-            <a:r>
-              <a:rPr lang="en-US" dirty="0"/>
-              <a:t> </a:t>
-            </a:r>
-            <a:r>
-              <a:rPr lang="en-US" dirty="0" err="1"/>
-              <a:t>podataka</a:t>
-            </a:r>
-            <a:r>
-              <a:rPr lang="en-US" dirty="0"/>
-              <a:t>. U </a:t>
-            </a:r>
-            <a:r>
-              <a:rPr lang="en-US" dirty="0" err="1"/>
-              <a:t>zavisnosti</a:t>
-            </a:r>
-            <a:r>
-              <a:rPr lang="en-US" dirty="0"/>
-              <a:t> od </a:t>
-            </a:r>
-            <a:r>
-              <a:rPr lang="en-US" dirty="0" err="1"/>
-              <a:t>prikupljenih</a:t>
-            </a:r>
-            <a:r>
-              <a:rPr lang="en-US" dirty="0"/>
-              <a:t> </a:t>
-            </a:r>
-            <a:r>
-              <a:rPr lang="en-US" dirty="0" err="1"/>
-              <a:t>podataka</a:t>
-            </a:r>
-            <a:r>
-              <a:rPr lang="en-US" dirty="0"/>
-              <a:t> </a:t>
-            </a:r>
-            <a:r>
-              <a:rPr lang="en-US" dirty="0" err="1"/>
-              <a:t>zemljiste</a:t>
-            </a:r>
-            <a:r>
-              <a:rPr lang="en-US" dirty="0"/>
-              <a:t> moze </a:t>
-            </a:r>
-            <a:r>
-              <a:rPr lang="en-US" dirty="0" err="1"/>
-              <a:t>biti</a:t>
-            </a:r>
-            <a:r>
-              <a:rPr lang="en-US" dirty="0"/>
-              <a:t> </a:t>
-            </a:r>
-            <a:r>
-              <a:rPr lang="en-US" dirty="0" err="1"/>
-              <a:t>kvalitetno</a:t>
-            </a:r>
-            <a:r>
-              <a:rPr lang="en-US" dirty="0"/>
-              <a:t> </a:t>
-            </a:r>
-            <a:r>
-              <a:rPr lang="en-US" dirty="0" err="1"/>
-              <a:t>i</a:t>
-            </a:r>
-            <a:r>
-              <a:rPr lang="en-US" dirty="0"/>
-              <a:t> </a:t>
-            </a:r>
-            <a:r>
-              <a:rPr lang="en-US" dirty="0" err="1"/>
-              <a:t>nekvalitetno</a:t>
-            </a:r>
-            <a:r>
-              <a:rPr lang="en-US" dirty="0"/>
-              <a:t>.  U </a:t>
-            </a:r>
-            <a:r>
-              <a:rPr lang="en-US" dirty="0" err="1"/>
-              <a:t>slucaju</a:t>
-            </a:r>
-            <a:r>
-              <a:rPr lang="en-US" dirty="0"/>
-              <a:t> da </a:t>
-            </a:r>
-            <a:r>
-              <a:rPr lang="en-US" dirty="0" err="1"/>
-              <a:t>kvalitet</a:t>
-            </a:r>
-            <a:r>
-              <a:rPr lang="en-US" dirty="0"/>
-              <a:t> </a:t>
-            </a:r>
-            <a:r>
-              <a:rPr lang="en-US" dirty="0" err="1"/>
-              <a:t>zemljista</a:t>
-            </a:r>
-            <a:r>
-              <a:rPr lang="en-US" dirty="0"/>
-              <a:t> </a:t>
-            </a:r>
-            <a:r>
-              <a:rPr lang="en-US" dirty="0" err="1"/>
-              <a:t>nije</a:t>
-            </a:r>
-            <a:r>
-              <a:rPr lang="en-US" dirty="0"/>
-              <a:t> </a:t>
-            </a:r>
-            <a:r>
-              <a:rPr lang="en-US" dirty="0" err="1"/>
-              <a:t>dobar</a:t>
-            </a:r>
-            <a:r>
-              <a:rPr lang="en-US" dirty="0"/>
-              <a:t>, </a:t>
-            </a:r>
-            <a:r>
-              <a:rPr lang="en-US" dirty="0" err="1"/>
-              <a:t>belezi</a:t>
-            </a:r>
-            <a:r>
-              <a:rPr lang="en-US" dirty="0"/>
-              <a:t> se </a:t>
-            </a:r>
-            <a:r>
-              <a:rPr lang="en-US" dirty="0" err="1"/>
-              <a:t>takav</a:t>
-            </a:r>
-            <a:r>
-              <a:rPr lang="en-US" dirty="0"/>
-              <a:t> </a:t>
-            </a:r>
-            <a:r>
-              <a:rPr lang="en-US" dirty="0" err="1"/>
-              <a:t>podatak</a:t>
-            </a:r>
-            <a:r>
-              <a:rPr lang="en-US" dirty="0"/>
-              <a:t> </a:t>
-            </a:r>
-            <a:r>
-              <a:rPr lang="en-US" dirty="0" err="1"/>
-              <a:t>i</a:t>
-            </a:r>
-            <a:r>
-              <a:rPr lang="en-US" dirty="0"/>
-              <a:t> </a:t>
-            </a:r>
-            <a:r>
-              <a:rPr lang="en-US" dirty="0" err="1"/>
-              <a:t>obavestava</a:t>
-            </a:r>
-            <a:r>
-              <a:rPr lang="en-US" dirty="0"/>
-              <a:t> </a:t>
-            </a:r>
-            <a:r>
-              <a:rPr lang="en-US" dirty="0" err="1"/>
-              <a:t>klijent</a:t>
-            </a:r>
-            <a:r>
-              <a:rPr lang="en-US" dirty="0"/>
-              <a:t>. </a:t>
-            </a:r>
-          </a:p>
-          <a:p>
-            <a:r>
-              <a:rPr lang="en-US" dirty="0" err="1"/>
-              <a:t>Simulacija</a:t>
-            </a:r>
-            <a:r>
-              <a:rPr lang="en-US" dirty="0"/>
-              <a:t> </a:t>
-            </a:r>
-            <a:r>
-              <a:rPr lang="en-US" dirty="0" err="1"/>
-              <a:t>senzora</a:t>
-            </a:r>
-            <a:r>
-              <a:rPr lang="en-US" dirty="0"/>
-              <a:t> se moze </a:t>
-            </a:r>
-            <a:r>
-              <a:rPr lang="en-US" dirty="0" err="1"/>
-              <a:t>pokrenuti</a:t>
-            </a:r>
-            <a:r>
-              <a:rPr lang="en-US" dirty="0"/>
-              <a:t> API </a:t>
-            </a:r>
-            <a:r>
-              <a:rPr lang="en-US" dirty="0" err="1"/>
-              <a:t>pozivom</a:t>
-            </a:r>
-            <a:r>
-              <a:rPr lang="en-US" dirty="0"/>
-              <a:t> </a:t>
-            </a:r>
-            <a:r>
-              <a:rPr lang="en-US" dirty="0" err="1"/>
-              <a:t>funkcije</a:t>
-            </a:r>
-            <a:r>
-              <a:rPr lang="en-US" dirty="0"/>
-              <a:t>. </a:t>
-            </a:r>
-          </a:p>
-        </p:txBody>
-      </p:sp>
-    </p:spTree>
-    <p:extLst>
-      <p:ext uri="{BB962C8B-B14F-4D97-AF65-F5344CB8AC3E}">
-        <p14:creationId xmlns:p14="http://schemas.microsoft.com/office/powerpoint/2010/main" val="3214917925"/>
-      </p:ext>
-    </p:extLst>
-  </p:cSld>
-  <p:clrMapOvr>
-    <a:masterClrMapping/>
-  </p:clrMapOvr>
-</p:sld>
-</file>
-
 <file path=ppt/slides/slide8.xml><?xml version="1.0" encoding="utf-8"?>
 <p:sld xmlns:a="http://schemas.openxmlformats.org/drawingml/2006/main" xmlns:r="http://schemas.openxmlformats.org/officeDocument/2006/relationships" xmlns:p="http://schemas.openxmlformats.org/presentationml/2006/main">
   <p:cSld>
@@ -9189,7 +9765,7 @@
           <p:cNvPr id="2" name="Title 1">
             <a:extLst>
               <a:ext uri="{FF2B5EF4-FFF2-40B4-BE49-F238E27FC236}">
-                <a16:creationId xmlns:a16="http://schemas.microsoft.com/office/drawing/2014/main" id="{994149CB-34CF-492E-8595-389CA527F103}"/>
+                <a16:creationId xmlns:a16="http://schemas.microsoft.com/office/drawing/2014/main" id="{F0C6AE93-FDA8-485F-B999-ECF91AD2D368}"/>
               </a:ext>
             </a:extLst>
           </p:cNvPr>
@@ -9202,8 +9778,8 @@
         </p:nvSpPr>
         <p:spPr>
           <a:xfrm>
-            <a:off x="1000897" y="624110"/>
-            <a:ext cx="10503715" cy="1280890"/>
+            <a:off x="1124465" y="624110"/>
+            <a:ext cx="10380147" cy="1280890"/>
           </a:xfrm>
         </p:spPr>
         <p:txBody>
@@ -9212,54 +9788,343 @@
           <a:p>
             <a:pPr algn="ctr"/>
             <a:r>
-              <a:rPr lang="sr-Latn-RS" dirty="0"/>
-              <a:t>Projekat </a:t>
-            </a:r>
-            <a:r>
-              <a:rPr lang="en-US" dirty="0"/>
-              <a:t>2</a:t>
-            </a:r>
-            <a:r>
-              <a:rPr lang="sr-Latn-RS" dirty="0"/>
-              <a:t> – Arhitektura</a:t>
-            </a:r>
-            <a:endParaRPr lang="en-US" dirty="0"/>
-          </a:p>
-        </p:txBody>
-      </p:sp>
-      <p:pic>
-        <p:nvPicPr>
-          <p:cNvPr id="9" name="Content Placeholder 8">
+              <a:rPr lang="en-US" dirty="0" err="1"/>
+              <a:t>Projekat</a:t>
+            </a:r>
+            <a:r>
+              <a:rPr lang="en-US" dirty="0"/>
+              <a:t> 2 – </a:t>
+            </a:r>
+            <a:r>
+              <a:rPr lang="en-US" dirty="0" err="1"/>
+              <a:t>Ideja</a:t>
+            </a:r>
+            <a:r>
+              <a:rPr lang="en-US" dirty="0"/>
+              <a:t> </a:t>
+            </a:r>
+          </a:p>
+        </p:txBody>
+      </p:sp>
+      <p:sp>
+        <p:nvSpPr>
+          <p:cNvPr id="3" name="Content Placeholder 2">
             <a:extLst>
               <a:ext uri="{FF2B5EF4-FFF2-40B4-BE49-F238E27FC236}">
-                <a16:creationId xmlns:a16="http://schemas.microsoft.com/office/drawing/2014/main" id="{3E7A2199-1DBF-4E80-9782-648DEDD9AEFA}"/>
+                <a16:creationId xmlns:a16="http://schemas.microsoft.com/office/drawing/2014/main" id="{4A1495B9-0E13-4DEB-B9F9-A7490B8D61A9}"/>
               </a:ext>
             </a:extLst>
           </p:cNvPr>
-          <p:cNvPicPr>
-            <a:picLocks noGrp="1" noChangeAspect="1"/>
-          </p:cNvPicPr>
+          <p:cNvSpPr>
+            <a:spLocks noGrp="1"/>
+          </p:cNvSpPr>
           <p:nvPr>
             <p:ph idx="1"/>
           </p:nvPr>
-        </p:nvPicPr>
-        <p:blipFill>
-          <a:blip r:embed="rId2"/>
-          <a:stretch>
-            <a:fillRect/>
-          </a:stretch>
-        </p:blipFill>
+        </p:nvSpPr>
         <p:spPr>
           <a:xfrm>
-            <a:off x="2670337" y="1445532"/>
-            <a:ext cx="6851326" cy="4788358"/>
+            <a:off x="1124465" y="2133600"/>
+            <a:ext cx="10380147" cy="3777622"/>
           </a:xfrm>
         </p:spPr>
-      </p:pic>
+        <p:txBody>
+          <a:bodyPr/>
+          <a:lstStyle/>
+          <a:p>
+            <a:r>
+              <a:rPr lang="sr-Latn-RS" dirty="0"/>
+              <a:t>Ideja </a:t>
+            </a:r>
+            <a:r>
+              <a:rPr lang="en-US" dirty="0" err="1"/>
+              <a:t>drugog</a:t>
+            </a:r>
+            <a:r>
+              <a:rPr lang="sr-Latn-RS" dirty="0"/>
+              <a:t> projekta je aplikacija koja pribavlja podatke </a:t>
+            </a:r>
+            <a:r>
+              <a:rPr lang="en-US" dirty="0" err="1"/>
+              <a:t>sa</a:t>
+            </a:r>
+            <a:r>
+              <a:rPr lang="en-US" dirty="0"/>
+              <a:t> </a:t>
+            </a:r>
+            <a:r>
+              <a:rPr lang="en-US" dirty="0" err="1"/>
+              <a:t>senzora</a:t>
+            </a:r>
+            <a:r>
+              <a:rPr lang="en-US" dirty="0"/>
+              <a:t> </a:t>
+            </a:r>
+            <a:r>
+              <a:rPr lang="sr-Latn-RS" dirty="0"/>
+              <a:t>o</a:t>
+            </a:r>
+            <a:r>
+              <a:rPr lang="en-US" dirty="0"/>
+              <a:t> </a:t>
+            </a:r>
+            <a:r>
+              <a:rPr lang="en-US" dirty="0" err="1"/>
+              <a:t>kvalitetu</a:t>
+            </a:r>
+            <a:r>
+              <a:rPr lang="sr-Latn-RS" dirty="0"/>
+              <a:t> </a:t>
+            </a:r>
+            <a:r>
+              <a:rPr lang="en-US" dirty="0" err="1"/>
+              <a:t>zemljista</a:t>
+            </a:r>
+            <a:r>
+              <a:rPr lang="en-US" dirty="0"/>
+              <a:t> </a:t>
+            </a:r>
+            <a:r>
+              <a:rPr lang="en-US" dirty="0" err="1"/>
+              <a:t>i</a:t>
+            </a:r>
+            <a:r>
+              <a:rPr lang="en-US" dirty="0"/>
+              <a:t> </a:t>
+            </a:r>
+            <a:r>
+              <a:rPr lang="en-US" dirty="0" err="1"/>
+              <a:t>vrsi</a:t>
+            </a:r>
+            <a:r>
+              <a:rPr lang="en-US" dirty="0"/>
+              <a:t> </a:t>
+            </a:r>
+            <a:r>
+              <a:rPr lang="en-US" dirty="0" err="1"/>
+              <a:t>analizu</a:t>
+            </a:r>
+            <a:r>
+              <a:rPr lang="en-US" dirty="0"/>
+              <a:t> </a:t>
+            </a:r>
+            <a:r>
+              <a:rPr lang="en-US" dirty="0" err="1"/>
+              <a:t>prikupljenih</a:t>
+            </a:r>
+            <a:r>
+              <a:rPr lang="en-US" dirty="0"/>
+              <a:t> </a:t>
+            </a:r>
+            <a:r>
+              <a:rPr lang="en-US" dirty="0" err="1"/>
+              <a:t>podataka</a:t>
+            </a:r>
+            <a:r>
+              <a:rPr lang="en-US" dirty="0"/>
+              <a:t>. U </a:t>
+            </a:r>
+            <a:r>
+              <a:rPr lang="en-US" dirty="0" err="1"/>
+              <a:t>zavisnosti</a:t>
+            </a:r>
+            <a:r>
+              <a:rPr lang="en-US" dirty="0"/>
+              <a:t> od </a:t>
+            </a:r>
+            <a:r>
+              <a:rPr lang="en-US" dirty="0" err="1"/>
+              <a:t>prikupljenih</a:t>
+            </a:r>
+            <a:r>
+              <a:rPr lang="en-US" dirty="0"/>
+              <a:t> </a:t>
+            </a:r>
+            <a:r>
+              <a:rPr lang="en-US" dirty="0" err="1"/>
+              <a:t>podataka</a:t>
+            </a:r>
+            <a:r>
+              <a:rPr lang="en-US" dirty="0"/>
+              <a:t> </a:t>
+            </a:r>
+            <a:r>
+              <a:rPr lang="en-US" dirty="0" err="1"/>
+              <a:t>zemljiste</a:t>
+            </a:r>
+            <a:r>
+              <a:rPr lang="en-US" dirty="0"/>
+              <a:t> moze </a:t>
+            </a:r>
+            <a:r>
+              <a:rPr lang="en-US" dirty="0" err="1"/>
+              <a:t>biti</a:t>
+            </a:r>
+            <a:r>
+              <a:rPr lang="en-US" dirty="0"/>
+              <a:t> </a:t>
+            </a:r>
+            <a:r>
+              <a:rPr lang="en-US" dirty="0" err="1"/>
+              <a:t>kvalitetno</a:t>
+            </a:r>
+            <a:r>
+              <a:rPr lang="en-US" dirty="0"/>
+              <a:t> </a:t>
+            </a:r>
+            <a:r>
+              <a:rPr lang="en-US" dirty="0" err="1"/>
+              <a:t>i</a:t>
+            </a:r>
+            <a:r>
+              <a:rPr lang="en-US" dirty="0"/>
+              <a:t> </a:t>
+            </a:r>
+            <a:r>
+              <a:rPr lang="en-US" dirty="0" err="1"/>
+              <a:t>nekvalitetno</a:t>
+            </a:r>
+            <a:r>
+              <a:rPr lang="en-US" dirty="0"/>
+              <a:t>.  U </a:t>
+            </a:r>
+            <a:r>
+              <a:rPr lang="en-US" dirty="0" err="1"/>
+              <a:t>slucaju</a:t>
+            </a:r>
+            <a:r>
+              <a:rPr lang="en-US" dirty="0"/>
+              <a:t> da </a:t>
+            </a:r>
+            <a:r>
+              <a:rPr lang="en-US" dirty="0" err="1"/>
+              <a:t>kvalitet</a:t>
+            </a:r>
+            <a:r>
+              <a:rPr lang="en-US" dirty="0"/>
+              <a:t> </a:t>
+            </a:r>
+            <a:r>
+              <a:rPr lang="en-US" dirty="0" err="1"/>
+              <a:t>zemljista</a:t>
+            </a:r>
+            <a:r>
+              <a:rPr lang="en-US" dirty="0"/>
+              <a:t> </a:t>
+            </a:r>
+            <a:r>
+              <a:rPr lang="en-US" dirty="0" err="1"/>
+              <a:t>nije</a:t>
+            </a:r>
+            <a:r>
+              <a:rPr lang="en-US" dirty="0"/>
+              <a:t> </a:t>
+            </a:r>
+            <a:r>
+              <a:rPr lang="en-US" dirty="0" err="1"/>
+              <a:t>dobar</a:t>
+            </a:r>
+            <a:r>
+              <a:rPr lang="en-US" dirty="0"/>
+              <a:t>, </a:t>
+            </a:r>
+            <a:r>
+              <a:rPr lang="en-US" dirty="0" err="1"/>
+              <a:t>belezi</a:t>
+            </a:r>
+            <a:r>
+              <a:rPr lang="en-US" dirty="0"/>
+              <a:t> se </a:t>
+            </a:r>
+            <a:r>
+              <a:rPr lang="en-US" dirty="0" err="1"/>
+              <a:t>takav</a:t>
+            </a:r>
+            <a:r>
+              <a:rPr lang="en-US" dirty="0"/>
+              <a:t> </a:t>
+            </a:r>
+            <a:r>
+              <a:rPr lang="en-US" dirty="0" err="1"/>
+              <a:t>podatak</a:t>
+            </a:r>
+            <a:r>
+              <a:rPr lang="en-US" dirty="0"/>
+              <a:t> </a:t>
+            </a:r>
+            <a:r>
+              <a:rPr lang="en-US" dirty="0" err="1"/>
+              <a:t>i</a:t>
+            </a:r>
+            <a:r>
+              <a:rPr lang="en-US" dirty="0"/>
+              <a:t> </a:t>
+            </a:r>
+            <a:r>
+              <a:rPr lang="en-US" dirty="0" err="1"/>
+              <a:t>obavestava</a:t>
+            </a:r>
+            <a:r>
+              <a:rPr lang="en-US" dirty="0"/>
+              <a:t> </a:t>
+            </a:r>
+            <a:r>
+              <a:rPr lang="en-US" dirty="0" err="1"/>
+              <a:t>klijent</a:t>
+            </a:r>
+            <a:r>
+              <a:rPr lang="en-US" dirty="0"/>
+              <a:t>. </a:t>
+            </a:r>
+          </a:p>
+          <a:p>
+            <a:r>
+              <a:rPr lang="en-US" dirty="0" err="1"/>
+              <a:t>Simulacija</a:t>
+            </a:r>
+            <a:r>
+              <a:rPr lang="en-US" dirty="0"/>
+              <a:t> </a:t>
+            </a:r>
+            <a:r>
+              <a:rPr lang="en-US" dirty="0" err="1"/>
+              <a:t>senzora</a:t>
+            </a:r>
+            <a:r>
+              <a:rPr lang="en-US" dirty="0"/>
+              <a:t> se moze </a:t>
+            </a:r>
+            <a:r>
+              <a:rPr lang="en-US" dirty="0" err="1"/>
+              <a:t>pokrenuti</a:t>
+            </a:r>
+            <a:r>
+              <a:rPr lang="en-US" dirty="0"/>
+              <a:t> API </a:t>
+            </a:r>
+            <a:r>
+              <a:rPr lang="en-US" dirty="0" err="1"/>
+              <a:t>pozivom</a:t>
+            </a:r>
+            <a:r>
+              <a:rPr lang="en-US" dirty="0"/>
+              <a:t> </a:t>
+            </a:r>
+            <a:r>
+              <a:rPr lang="en-US" dirty="0" err="1"/>
+              <a:t>funkcije</a:t>
+            </a:r>
+            <a:r>
+              <a:rPr lang="en-US" dirty="0"/>
+              <a:t>. </a:t>
+            </a:r>
+          </a:p>
+        </p:txBody>
+      </p:sp>
     </p:spTree>
     <p:extLst>
       <p:ext uri="{BB962C8B-B14F-4D97-AF65-F5344CB8AC3E}">
-        <p14:creationId xmlns:p14="http://schemas.microsoft.com/office/powerpoint/2010/main" val="1208690858"/>
+        <p14:creationId xmlns:p14="http://schemas.microsoft.com/office/powerpoint/2010/main" val="3214917925"/>
       </p:ext>
     </p:extLst>
   </p:cSld>
@@ -9329,40 +10194,39 @@
           </a:p>
         </p:txBody>
       </p:sp>
-      <p:sp>
-        <p:nvSpPr>
-          <p:cNvPr id="4" name="Content Placeholder 3">
+      <p:pic>
+        <p:nvPicPr>
+          <p:cNvPr id="6" name="Content Placeholder 5">
             <a:extLst>
               <a:ext uri="{FF2B5EF4-FFF2-40B4-BE49-F238E27FC236}">
-                <a16:creationId xmlns:a16="http://schemas.microsoft.com/office/drawing/2014/main" id="{F6E1974F-A403-4528-811C-E0B47A26DB2F}"/>
+                <a16:creationId xmlns:a16="http://schemas.microsoft.com/office/drawing/2014/main" id="{8DCE35A8-51DA-4058-9996-8F88AE014165}"/>
               </a:ext>
             </a:extLst>
           </p:cNvPr>
-          <p:cNvSpPr>
-            <a:spLocks noGrp="1"/>
-          </p:cNvSpPr>
+          <p:cNvPicPr>
+            <a:picLocks noGrp="1" noChangeAspect="1"/>
+          </p:cNvPicPr>
           <p:nvPr>
             <p:ph idx="1"/>
           </p:nvPr>
-        </p:nvSpPr>
+        </p:nvPicPr>
+        <p:blipFill>
+          <a:blip r:embed="rId2"/>
+          <a:stretch>
+            <a:fillRect/>
+          </a:stretch>
+        </p:blipFill>
         <p:spPr>
           <a:xfrm>
-            <a:off x="815546" y="2133600"/>
-            <a:ext cx="10689066" cy="3777622"/>
+            <a:off x="2178755" y="1418545"/>
+            <a:ext cx="7834489" cy="4815345"/>
           </a:xfrm>
         </p:spPr>
-        <p:txBody>
-          <a:bodyPr/>
-          <a:lstStyle/>
-          <a:p>
-            <a:endParaRPr lang="en-US" dirty="0"/>
-          </a:p>
-        </p:txBody>
-      </p:sp>
+      </p:pic>
     </p:spTree>
     <p:extLst>
       <p:ext uri="{BB962C8B-B14F-4D97-AF65-F5344CB8AC3E}">
-        <p14:creationId xmlns:p14="http://schemas.microsoft.com/office/powerpoint/2010/main" val="3307038452"/>
+        <p14:creationId xmlns:p14="http://schemas.microsoft.com/office/powerpoint/2010/main" val="1208690858"/>
       </p:ext>
     </p:extLst>
   </p:cSld>

--- a/Prezentacija projekata/Servisno-orijentisane arhitekture – Projekti.pptx
+++ b/Prezentacija projekata/Servisno-orijentisane arhitekture – Projekti.pptx
@@ -17,7 +17,12 @@
     <p:sldId id="264" r:id="rId11"/>
     <p:sldId id="267" r:id="rId12"/>
     <p:sldId id="268" r:id="rId13"/>
-    <p:sldId id="265" r:id="rId14"/>
+    <p:sldId id="273" r:id="rId14"/>
+    <p:sldId id="269" r:id="rId15"/>
+    <p:sldId id="270" r:id="rId16"/>
+    <p:sldId id="271" r:id="rId17"/>
+    <p:sldId id="272" r:id="rId18"/>
+    <p:sldId id="265" r:id="rId19"/>
   </p:sldIdLst>
   <p:sldSz cx="12192000" cy="6858000"/>
   <p:notesSz cx="6858000" cy="9144000"/>
@@ -313,7 +318,7 @@
             <a:fld id="{B61BEF0D-F0BB-DE4B-95CE-6DB70DBA9567}" type="datetimeFigureOut">
               <a:rPr lang="en-US" smtClean="0"/>
               <a:pPr/>
-              <a:t>8/6/2022</a:t>
+              <a:t>8/10/2022</a:t>
             </a:fld>
             <a:endParaRPr lang="en-US" dirty="0"/>
           </a:p>
@@ -653,7 +658,7 @@
             <a:fld id="{B61BEF0D-F0BB-DE4B-95CE-6DB70DBA9567}" type="datetimeFigureOut">
               <a:rPr lang="en-US" smtClean="0"/>
               <a:pPr/>
-              <a:t>8/6/2022</a:t>
+              <a:t>8/10/2022</a:t>
             </a:fld>
             <a:endParaRPr lang="en-US" dirty="0"/>
           </a:p>
@@ -1056,7 +1061,7 @@
             <a:fld id="{B61BEF0D-F0BB-DE4B-95CE-6DB70DBA9567}" type="datetimeFigureOut">
               <a:rPr lang="en-US" smtClean="0"/>
               <a:pPr/>
-              <a:t>8/6/2022</a:t>
+              <a:t>8/10/2022</a:t>
             </a:fld>
             <a:endParaRPr lang="en-US" dirty="0"/>
           </a:p>
@@ -1394,7 +1399,7 @@
             <a:fld id="{B61BEF0D-F0BB-DE4B-95CE-6DB70DBA9567}" type="datetimeFigureOut">
               <a:rPr lang="en-US" smtClean="0"/>
               <a:pPr/>
-              <a:t>8/6/2022</a:t>
+              <a:t>8/10/2022</a:t>
             </a:fld>
             <a:endParaRPr lang="en-US" dirty="0"/>
           </a:p>
@@ -1716,7 +1721,7 @@
             <a:fld id="{B61BEF0D-F0BB-DE4B-95CE-6DB70DBA9567}" type="datetimeFigureOut">
               <a:rPr lang="en-US" smtClean="0"/>
               <a:pPr/>
-              <a:t>8/6/2022</a:t>
+              <a:t>8/10/2022</a:t>
             </a:fld>
             <a:endParaRPr lang="en-US" dirty="0"/>
           </a:p>
@@ -2114,7 +2119,7 @@
             <a:fld id="{B61BEF0D-F0BB-DE4B-95CE-6DB70DBA9567}" type="datetimeFigureOut">
               <a:rPr lang="en-US" smtClean="0"/>
               <a:pPr/>
-              <a:t>8/6/2022</a:t>
+              <a:t>8/10/2022</a:t>
             </a:fld>
             <a:endParaRPr lang="en-US" dirty="0"/>
           </a:p>
@@ -2373,7 +2378,7 @@
             <a:fld id="{B61BEF0D-F0BB-DE4B-95CE-6DB70DBA9567}" type="datetimeFigureOut">
               <a:rPr lang="en-US" smtClean="0"/>
               <a:pPr/>
-              <a:t>8/6/2022</a:t>
+              <a:t>8/10/2022</a:t>
             </a:fld>
             <a:endParaRPr lang="en-US" dirty="0"/>
           </a:p>
@@ -2637,7 +2642,7 @@
             <a:fld id="{B61BEF0D-F0BB-DE4B-95CE-6DB70DBA9567}" type="datetimeFigureOut">
               <a:rPr lang="en-US" smtClean="0"/>
               <a:pPr/>
-              <a:t>8/6/2022</a:t>
+              <a:t>8/10/2022</a:t>
             </a:fld>
             <a:endParaRPr lang="en-US" dirty="0"/>
           </a:p>
@@ -2901,7 +2906,7 @@
             <a:fld id="{B61BEF0D-F0BB-DE4B-95CE-6DB70DBA9567}" type="datetimeFigureOut">
               <a:rPr lang="en-US" smtClean="0"/>
               <a:pPr/>
-              <a:t>8/6/2022</a:t>
+              <a:t>8/10/2022</a:t>
             </a:fld>
             <a:endParaRPr lang="en-US" dirty="0"/>
           </a:p>
@@ -3232,7 +3237,7 @@
             <a:fld id="{B61BEF0D-F0BB-DE4B-95CE-6DB70DBA9567}" type="datetimeFigureOut">
               <a:rPr lang="en-US" smtClean="0"/>
               <a:pPr/>
-              <a:t>8/6/2022</a:t>
+              <a:t>8/10/2022</a:t>
             </a:fld>
             <a:endParaRPr lang="en-US" dirty="0"/>
           </a:p>
@@ -3557,7 +3562,7 @@
             <a:fld id="{B61BEF0D-F0BB-DE4B-95CE-6DB70DBA9567}" type="datetimeFigureOut">
               <a:rPr lang="en-US" smtClean="0"/>
               <a:pPr/>
-              <a:t>8/6/2022</a:t>
+              <a:t>8/10/2022</a:t>
             </a:fld>
             <a:endParaRPr lang="en-US" dirty="0"/>
           </a:p>
@@ -4016,7 +4021,7 @@
             <a:fld id="{B61BEF0D-F0BB-DE4B-95CE-6DB70DBA9567}" type="datetimeFigureOut">
               <a:rPr lang="en-US" smtClean="0"/>
               <a:pPr/>
-              <a:t>8/6/2022</a:t>
+              <a:t>8/10/2022</a:t>
             </a:fld>
             <a:endParaRPr lang="en-US" dirty="0"/>
           </a:p>
@@ -4223,7 +4228,7 @@
             <a:fld id="{B61BEF0D-F0BB-DE4B-95CE-6DB70DBA9567}" type="datetimeFigureOut">
               <a:rPr lang="en-US" smtClean="0"/>
               <a:pPr/>
-              <a:t>8/6/2022</a:t>
+              <a:t>8/10/2022</a:t>
             </a:fld>
             <a:endParaRPr lang="en-US" dirty="0"/>
           </a:p>
@@ -4402,7 +4407,7 @@
             <a:fld id="{B61BEF0D-F0BB-DE4B-95CE-6DB70DBA9567}" type="datetimeFigureOut">
               <a:rPr lang="en-US" smtClean="0"/>
               <a:pPr/>
-              <a:t>8/6/2022</a:t>
+              <a:t>8/10/2022</a:t>
             </a:fld>
             <a:endParaRPr lang="en-US" dirty="0"/>
           </a:p>
@@ -4737,7 +4742,7 @@
             <a:fld id="{B61BEF0D-F0BB-DE4B-95CE-6DB70DBA9567}" type="datetimeFigureOut">
               <a:rPr lang="en-US" smtClean="0"/>
               <a:pPr/>
-              <a:t>8/6/2022</a:t>
+              <a:t>8/10/2022</a:t>
             </a:fld>
             <a:endParaRPr lang="en-US" dirty="0"/>
           </a:p>
@@ -5084,7 +5089,7 @@
             <a:fld id="{B61BEF0D-F0BB-DE4B-95CE-6DB70DBA9567}" type="datetimeFigureOut">
               <a:rPr lang="en-US" smtClean="0"/>
               <a:pPr/>
-              <a:t>8/6/2022</a:t>
+              <a:t>8/10/2022</a:t>
             </a:fld>
             <a:endParaRPr lang="en-US" dirty="0"/>
           </a:p>
@@ -7203,7 +7208,7 @@
             <a:fld id="{B61BEF0D-F0BB-DE4B-95CE-6DB70DBA9567}" type="datetimeFigureOut">
               <a:rPr lang="en-US" smtClean="0"/>
               <a:pPr/>
-              <a:t>8/6/2022</a:t>
+              <a:t>8/10/2022</a:t>
             </a:fld>
             <a:endParaRPr lang="en-US" dirty="0"/>
           </a:p>
@@ -8697,6 +8702,1027 @@
           <p:cNvPr id="2" name="Title 1">
             <a:extLst>
               <a:ext uri="{FF2B5EF4-FFF2-40B4-BE49-F238E27FC236}">
+                <a16:creationId xmlns:a16="http://schemas.microsoft.com/office/drawing/2014/main" id="{29BCC590-9C8A-4304-87FB-F542A3B8182B}"/>
+              </a:ext>
+            </a:extLst>
+          </p:cNvPr>
+          <p:cNvSpPr>
+            <a:spLocks noGrp="1"/>
+          </p:cNvSpPr>
+          <p:nvPr>
+            <p:ph type="title"/>
+          </p:nvPr>
+        </p:nvSpPr>
+        <p:spPr/>
+        <p:txBody>
+          <a:bodyPr/>
+          <a:lstStyle/>
+          <a:p>
+            <a:r>
+              <a:rPr lang="en-US" dirty="0" err="1"/>
+              <a:t>Projekat</a:t>
+            </a:r>
+            <a:r>
+              <a:rPr lang="en-US" dirty="0"/>
+              <a:t> 2 - </a:t>
+            </a:r>
+            <a:r>
+              <a:rPr lang="en-US" dirty="0" err="1"/>
+              <a:t>gRPC</a:t>
+            </a:r>
+            <a:endParaRPr lang="en-US" dirty="0"/>
+          </a:p>
+        </p:txBody>
+      </p:sp>
+      <p:sp>
+        <p:nvSpPr>
+          <p:cNvPr id="3" name="Content Placeholder 2">
+            <a:extLst>
+              <a:ext uri="{FF2B5EF4-FFF2-40B4-BE49-F238E27FC236}">
+                <a16:creationId xmlns:a16="http://schemas.microsoft.com/office/drawing/2014/main" id="{968D5202-A122-4BD5-871D-5692CE23E17B}"/>
+              </a:ext>
+            </a:extLst>
+          </p:cNvPr>
+          <p:cNvSpPr>
+            <a:spLocks noGrp="1"/>
+          </p:cNvSpPr>
+          <p:nvPr>
+            <p:ph idx="1"/>
+          </p:nvPr>
+        </p:nvSpPr>
+        <p:spPr/>
+        <p:txBody>
+          <a:bodyPr/>
+          <a:lstStyle/>
+          <a:p>
+            <a:r>
+              <a:rPr lang="en-US" dirty="0" err="1"/>
+              <a:t>Slika</a:t>
+            </a:r>
+            <a:r>
+              <a:rPr lang="en-US" dirty="0"/>
+              <a:t> za </a:t>
+            </a:r>
+            <a:r>
+              <a:rPr lang="en-US" dirty="0" err="1"/>
+              <a:t>gRPC</a:t>
+            </a:r>
+            <a:endParaRPr lang="en-US" dirty="0"/>
+          </a:p>
+        </p:txBody>
+      </p:sp>
+    </p:spTree>
+    <p:extLst>
+      <p:ext uri="{BB962C8B-B14F-4D97-AF65-F5344CB8AC3E}">
+        <p14:creationId xmlns:p14="http://schemas.microsoft.com/office/powerpoint/2010/main" val="132094046"/>
+      </p:ext>
+    </p:extLst>
+  </p:cSld>
+  <p:clrMapOvr>
+    <a:masterClrMapping/>
+  </p:clrMapOvr>
+</p:sld>
+</file>
+
+<file path=ppt/slides/slide14.xml><?xml version="1.0" encoding="utf-8"?>
+<p:sld xmlns:a="http://schemas.openxmlformats.org/drawingml/2006/main" xmlns:r="http://schemas.openxmlformats.org/officeDocument/2006/relationships" xmlns:p="http://schemas.openxmlformats.org/presentationml/2006/main">
+  <p:cSld>
+    <p:spTree>
+      <p:nvGrpSpPr>
+        <p:cNvPr id="1" name=""/>
+        <p:cNvGrpSpPr/>
+        <p:nvPr/>
+      </p:nvGrpSpPr>
+      <p:grpSpPr>
+        <a:xfrm>
+          <a:off x="0" y="0"/>
+          <a:ext cx="0" cy="0"/>
+          <a:chOff x="0" y="0"/>
+          <a:chExt cx="0" cy="0"/>
+        </a:xfrm>
+      </p:grpSpPr>
+      <p:sp>
+        <p:nvSpPr>
+          <p:cNvPr id="2" name="Title 1">
+            <a:extLst>
+              <a:ext uri="{FF2B5EF4-FFF2-40B4-BE49-F238E27FC236}">
+                <a16:creationId xmlns:a16="http://schemas.microsoft.com/office/drawing/2014/main" id="{1D7DA1C0-44F9-4A09-900A-F65B66D8E557}"/>
+              </a:ext>
+            </a:extLst>
+          </p:cNvPr>
+          <p:cNvSpPr>
+            <a:spLocks noGrp="1"/>
+          </p:cNvSpPr>
+          <p:nvPr>
+            <p:ph type="title"/>
+          </p:nvPr>
+        </p:nvSpPr>
+        <p:spPr/>
+        <p:txBody>
+          <a:bodyPr/>
+          <a:lstStyle/>
+          <a:p>
+            <a:r>
+              <a:rPr lang="en-US" dirty="0" err="1"/>
+              <a:t>Projekat</a:t>
+            </a:r>
+            <a:r>
+              <a:rPr lang="en-US" dirty="0"/>
+              <a:t> 3 – </a:t>
+            </a:r>
+            <a:r>
+              <a:rPr lang="en-US" dirty="0" err="1"/>
+              <a:t>Ideja</a:t>
+            </a:r>
+            <a:r>
+              <a:rPr lang="en-US" dirty="0"/>
+              <a:t> </a:t>
+            </a:r>
+          </a:p>
+        </p:txBody>
+      </p:sp>
+      <p:sp>
+        <p:nvSpPr>
+          <p:cNvPr id="3" name="Content Placeholder 2">
+            <a:extLst>
+              <a:ext uri="{FF2B5EF4-FFF2-40B4-BE49-F238E27FC236}">
+                <a16:creationId xmlns:a16="http://schemas.microsoft.com/office/drawing/2014/main" id="{B416BF1D-807B-477A-9A07-2D0462FB481D}"/>
+              </a:ext>
+            </a:extLst>
+          </p:cNvPr>
+          <p:cNvSpPr>
+            <a:spLocks noGrp="1"/>
+          </p:cNvSpPr>
+          <p:nvPr>
+            <p:ph idx="1"/>
+          </p:nvPr>
+        </p:nvSpPr>
+        <p:spPr/>
+        <p:txBody>
+          <a:bodyPr/>
+          <a:lstStyle/>
+          <a:p>
+            <a:r>
+              <a:rPr lang="en-US" dirty="0" err="1"/>
+              <a:t>Ideja</a:t>
+            </a:r>
+            <a:r>
+              <a:rPr lang="en-US" dirty="0"/>
+              <a:t> treceg </a:t>
+            </a:r>
+            <a:r>
+              <a:rPr lang="en-US" dirty="0" err="1"/>
+              <a:t>projekta</a:t>
+            </a:r>
+            <a:r>
+              <a:rPr lang="en-US" dirty="0"/>
+              <a:t> je </a:t>
+            </a:r>
+            <a:r>
+              <a:rPr lang="en-US" dirty="0" err="1"/>
+              <a:t>slicna</a:t>
+            </a:r>
+            <a:r>
+              <a:rPr lang="en-US" dirty="0"/>
+              <a:t> </a:t>
+            </a:r>
+            <a:r>
+              <a:rPr lang="en-US" dirty="0" err="1"/>
+              <a:t>ideji</a:t>
+            </a:r>
+            <a:r>
+              <a:rPr lang="en-US" dirty="0"/>
+              <a:t> </a:t>
+            </a:r>
+            <a:r>
+              <a:rPr lang="en-US" dirty="0" err="1"/>
+              <a:t>drugog</a:t>
+            </a:r>
+            <a:r>
+              <a:rPr lang="en-US" dirty="0"/>
+              <a:t> </a:t>
+            </a:r>
+            <a:r>
+              <a:rPr lang="en-US" dirty="0" err="1"/>
+              <a:t>projekta</a:t>
+            </a:r>
+            <a:r>
+              <a:rPr lang="en-US" dirty="0"/>
+              <a:t> </a:t>
+            </a:r>
+            <a:r>
+              <a:rPr lang="en-US" dirty="0" err="1"/>
+              <a:t>pri</a:t>
+            </a:r>
+            <a:r>
+              <a:rPr lang="en-US" dirty="0"/>
+              <a:t> </a:t>
+            </a:r>
+            <a:r>
+              <a:rPr lang="en-US" dirty="0" err="1"/>
+              <a:t>cemu</a:t>
+            </a:r>
+            <a:r>
+              <a:rPr lang="en-US" dirty="0"/>
+              <a:t> se </a:t>
+            </a:r>
+            <a:r>
+              <a:rPr lang="en-US" dirty="0" err="1"/>
+              <a:t>radi</a:t>
+            </a:r>
+            <a:r>
+              <a:rPr lang="en-US" dirty="0"/>
+              <a:t> </a:t>
+            </a:r>
+            <a:r>
+              <a:rPr lang="en-US" dirty="0" err="1"/>
+              <a:t>sa</a:t>
+            </a:r>
+            <a:r>
+              <a:rPr lang="en-US" dirty="0"/>
+              <a:t> </a:t>
+            </a:r>
+            <a:r>
+              <a:rPr lang="en-US" dirty="0" err="1"/>
+              <a:t>drugim</a:t>
+            </a:r>
+            <a:r>
+              <a:rPr lang="en-US" dirty="0"/>
+              <a:t> </a:t>
+            </a:r>
+            <a:r>
+              <a:rPr lang="en-US" dirty="0" err="1"/>
+              <a:t>datasetom</a:t>
+            </a:r>
+            <a:r>
+              <a:rPr lang="en-US" dirty="0"/>
+              <a:t> </a:t>
+            </a:r>
+            <a:r>
+              <a:rPr lang="en-US" dirty="0" err="1"/>
+              <a:t>takodje</a:t>
+            </a:r>
+            <a:r>
+              <a:rPr lang="en-US" dirty="0"/>
+              <a:t> </a:t>
+            </a:r>
+            <a:r>
+              <a:rPr lang="en-US" dirty="0" err="1"/>
+              <a:t>sa</a:t>
+            </a:r>
+            <a:r>
+              <a:rPr lang="en-US" dirty="0"/>
+              <a:t> </a:t>
+            </a:r>
+            <a:r>
+              <a:rPr lang="en-US" dirty="0" err="1"/>
+              <a:t>podacima</a:t>
+            </a:r>
+            <a:r>
+              <a:rPr lang="en-US" dirty="0"/>
+              <a:t> o </a:t>
+            </a:r>
+            <a:r>
+              <a:rPr lang="en-US" dirty="0" err="1"/>
+              <a:t>kvalitetu</a:t>
+            </a:r>
+            <a:r>
+              <a:rPr lang="en-US" dirty="0"/>
+              <a:t> </a:t>
+            </a:r>
+            <a:r>
+              <a:rPr lang="en-US" dirty="0" err="1"/>
+              <a:t>zemljista</a:t>
+            </a:r>
+            <a:r>
+              <a:rPr lang="en-US" dirty="0"/>
+              <a:t>. </a:t>
+            </a:r>
+            <a:r>
+              <a:rPr lang="en-US" dirty="0" err="1"/>
+              <a:t>Razlika</a:t>
+            </a:r>
+            <a:r>
+              <a:rPr lang="en-US" dirty="0"/>
+              <a:t> </a:t>
+            </a:r>
+            <a:r>
+              <a:rPr lang="en-US" dirty="0" err="1"/>
+              <a:t>postoji</a:t>
+            </a:r>
+            <a:r>
+              <a:rPr lang="en-US" dirty="0"/>
+              <a:t> u tome da </a:t>
+            </a:r>
+            <a:r>
+              <a:rPr lang="en-US" dirty="0" err="1"/>
+              <a:t>kada</a:t>
+            </a:r>
+            <a:r>
+              <a:rPr lang="en-US" dirty="0"/>
+              <a:t> se </a:t>
+            </a:r>
+            <a:r>
+              <a:rPr lang="en-US" dirty="0" err="1"/>
+              <a:t>detektuje</a:t>
+            </a:r>
+            <a:r>
+              <a:rPr lang="en-US" dirty="0"/>
+              <a:t> </a:t>
+            </a:r>
+            <a:r>
+              <a:rPr lang="en-US" dirty="0" err="1"/>
+              <a:t>odredjeni</a:t>
+            </a:r>
+            <a:r>
+              <a:rPr lang="en-US" dirty="0"/>
+              <a:t> </a:t>
+            </a:r>
+            <a:r>
+              <a:rPr lang="en-US" dirty="0" err="1"/>
+              <a:t>nivo</a:t>
+            </a:r>
+            <a:r>
+              <a:rPr lang="en-US" dirty="0"/>
+              <a:t> </a:t>
+            </a:r>
+            <a:r>
+              <a:rPr lang="en-US" dirty="0" err="1"/>
+              <a:t>vlaznosti</a:t>
+            </a:r>
+            <a:r>
+              <a:rPr lang="en-US" dirty="0"/>
+              <a:t> </a:t>
+            </a:r>
+            <a:r>
+              <a:rPr lang="en-US" dirty="0" err="1"/>
+              <a:t>zemljista</a:t>
+            </a:r>
+            <a:r>
+              <a:rPr lang="en-US" dirty="0"/>
+              <a:t> se ne </a:t>
+            </a:r>
+            <a:r>
+              <a:rPr lang="en-US" dirty="0" err="1"/>
+              <a:t>obavestava</a:t>
+            </a:r>
+            <a:r>
+              <a:rPr lang="en-US" dirty="0"/>
+              <a:t> </a:t>
+            </a:r>
+            <a:r>
+              <a:rPr lang="en-US" dirty="0" err="1"/>
+              <a:t>klijent</a:t>
+            </a:r>
+            <a:r>
+              <a:rPr lang="en-US" dirty="0"/>
+              <a:t> vec se </a:t>
+            </a:r>
+            <a:r>
+              <a:rPr lang="en-US" dirty="0" err="1"/>
+              <a:t>pali</a:t>
+            </a:r>
+            <a:r>
+              <a:rPr lang="en-US" dirty="0"/>
+              <a:t> </a:t>
+            </a:r>
+            <a:r>
+              <a:rPr lang="en-US" dirty="0" err="1"/>
+              <a:t>i</a:t>
+            </a:r>
+            <a:r>
+              <a:rPr lang="en-US" dirty="0"/>
+              <a:t> </a:t>
+            </a:r>
+            <a:r>
+              <a:rPr lang="en-US" dirty="0" err="1"/>
+              <a:t>gasi</a:t>
+            </a:r>
+            <a:r>
+              <a:rPr lang="en-US" dirty="0"/>
+              <a:t> </a:t>
+            </a:r>
+            <a:r>
+              <a:rPr lang="en-US" dirty="0" err="1"/>
+              <a:t>pumpa</a:t>
+            </a:r>
+            <a:r>
+              <a:rPr lang="en-US" dirty="0"/>
+              <a:t> za </a:t>
+            </a:r>
+            <a:r>
+              <a:rPr lang="en-US" dirty="0" err="1"/>
+              <a:t>vodu</a:t>
+            </a:r>
+            <a:r>
+              <a:rPr lang="en-US" dirty="0"/>
+              <a:t> </a:t>
+            </a:r>
+            <a:r>
+              <a:rPr lang="en-US" dirty="0" err="1"/>
+              <a:t>koja</a:t>
+            </a:r>
+            <a:r>
+              <a:rPr lang="en-US" dirty="0"/>
+              <a:t> </a:t>
+            </a:r>
+            <a:r>
+              <a:rPr lang="en-US" dirty="0" err="1"/>
+              <a:t>regulise</a:t>
+            </a:r>
+            <a:r>
+              <a:rPr lang="en-US" dirty="0"/>
+              <a:t> </a:t>
+            </a:r>
+            <a:r>
+              <a:rPr lang="en-US" dirty="0" err="1"/>
+              <a:t>vlaznost</a:t>
+            </a:r>
+            <a:r>
+              <a:rPr lang="en-US" dirty="0"/>
+              <a:t> </a:t>
+            </a:r>
+            <a:r>
+              <a:rPr lang="en-US" dirty="0" err="1"/>
+              <a:t>zemljista</a:t>
+            </a:r>
+            <a:r>
+              <a:rPr lang="en-US" dirty="0"/>
+              <a:t>. </a:t>
+            </a:r>
+          </a:p>
+          <a:p>
+            <a:r>
+              <a:rPr lang="en-US" dirty="0" err="1"/>
+              <a:t>Svi</a:t>
+            </a:r>
+            <a:r>
+              <a:rPr lang="en-US" dirty="0"/>
+              <a:t> </a:t>
+            </a:r>
+            <a:r>
+              <a:rPr lang="en-US" dirty="0" err="1"/>
+              <a:t>podaci</a:t>
+            </a:r>
+            <a:r>
+              <a:rPr lang="en-US" dirty="0"/>
+              <a:t> </a:t>
+            </a:r>
+            <a:r>
+              <a:rPr lang="en-US" dirty="0" err="1"/>
+              <a:t>koje</a:t>
+            </a:r>
+            <a:r>
+              <a:rPr lang="en-US" dirty="0"/>
+              <a:t> </a:t>
+            </a:r>
+            <a:r>
+              <a:rPr lang="en-US" dirty="0" err="1"/>
+              <a:t>generise</a:t>
+            </a:r>
+            <a:r>
+              <a:rPr lang="en-US" dirty="0"/>
+              <a:t> sensor se </a:t>
+            </a:r>
+            <a:r>
+              <a:rPr lang="en-US" dirty="0" err="1"/>
+              <a:t>pamte</a:t>
+            </a:r>
+            <a:r>
+              <a:rPr lang="en-US" dirty="0"/>
+              <a:t> u Time </a:t>
+            </a:r>
+            <a:r>
+              <a:rPr lang="en-US" dirty="0" err="1"/>
+              <a:t>Serius</a:t>
+            </a:r>
+            <a:r>
+              <a:rPr lang="en-US" dirty="0"/>
+              <a:t> </a:t>
+            </a:r>
+            <a:r>
+              <a:rPr lang="en-US" dirty="0" err="1"/>
+              <a:t>bazu</a:t>
+            </a:r>
+            <a:r>
+              <a:rPr lang="en-US" dirty="0"/>
+              <a:t> </a:t>
+            </a:r>
+            <a:r>
+              <a:rPr lang="en-US" dirty="0" err="1"/>
+              <a:t>podataka</a:t>
+            </a:r>
+            <a:r>
+              <a:rPr lang="en-US" dirty="0"/>
+              <a:t> </a:t>
+            </a:r>
+            <a:r>
+              <a:rPr lang="en-US" dirty="0" err="1"/>
+              <a:t>i</a:t>
+            </a:r>
+            <a:r>
+              <a:rPr lang="en-US" dirty="0"/>
+              <a:t> </a:t>
+            </a:r>
+            <a:r>
+              <a:rPr lang="en-US" dirty="0" err="1"/>
+              <a:t>moguc</a:t>
+            </a:r>
+            <a:r>
+              <a:rPr lang="en-US" dirty="0"/>
+              <a:t> je </a:t>
+            </a:r>
+            <a:r>
+              <a:rPr lang="en-US" dirty="0" err="1"/>
+              <a:t>graficki</a:t>
+            </a:r>
+            <a:r>
+              <a:rPr lang="en-US" dirty="0"/>
+              <a:t> </a:t>
+            </a:r>
+            <a:r>
+              <a:rPr lang="en-US" dirty="0" err="1"/>
+              <a:t>prikaz</a:t>
+            </a:r>
+            <a:r>
+              <a:rPr lang="en-US" dirty="0"/>
+              <a:t> </a:t>
+            </a:r>
+            <a:r>
+              <a:rPr lang="en-US" dirty="0" err="1"/>
+              <a:t>tih</a:t>
+            </a:r>
+            <a:r>
+              <a:rPr lang="en-US" dirty="0"/>
+              <a:t> </a:t>
+            </a:r>
+            <a:r>
+              <a:rPr lang="en-US" dirty="0" err="1"/>
+              <a:t>podatka</a:t>
+            </a:r>
+            <a:r>
+              <a:rPr lang="en-US" dirty="0"/>
+              <a:t>.</a:t>
+            </a:r>
+          </a:p>
+          <a:p>
+            <a:r>
+              <a:rPr lang="en-US" dirty="0" err="1"/>
+              <a:t>Simulaciju</a:t>
+            </a:r>
+            <a:r>
+              <a:rPr lang="en-US" dirty="0"/>
+              <a:t> </a:t>
+            </a:r>
+            <a:r>
+              <a:rPr lang="en-US" dirty="0" err="1"/>
+              <a:t>rada</a:t>
+            </a:r>
+            <a:r>
+              <a:rPr lang="en-US" dirty="0"/>
+              <a:t> </a:t>
+            </a:r>
+            <a:r>
+              <a:rPr lang="en-US" dirty="0" err="1"/>
+              <a:t>senzora</a:t>
+            </a:r>
+            <a:r>
+              <a:rPr lang="en-US" dirty="0"/>
+              <a:t> </a:t>
+            </a:r>
+            <a:r>
+              <a:rPr lang="en-US" dirty="0" err="1"/>
+              <a:t>zamenjuje</a:t>
+            </a:r>
+            <a:r>
+              <a:rPr lang="en-US" dirty="0"/>
+              <a:t> </a:t>
+            </a:r>
+            <a:r>
+              <a:rPr lang="en-US" dirty="0" err="1"/>
+              <a:t>konzolna</a:t>
+            </a:r>
+            <a:r>
+              <a:rPr lang="en-US" dirty="0"/>
+              <a:t> </a:t>
+            </a:r>
+            <a:r>
+              <a:rPr lang="en-US" dirty="0" err="1"/>
+              <a:t>aplikacija</a:t>
+            </a:r>
+            <a:r>
+              <a:rPr lang="en-US" dirty="0"/>
+              <a:t> </a:t>
+            </a:r>
+            <a:r>
+              <a:rPr lang="en-US" dirty="0" err="1"/>
+              <a:t>koja</a:t>
+            </a:r>
+            <a:r>
+              <a:rPr lang="en-US" dirty="0"/>
+              <a:t> </a:t>
+            </a:r>
+            <a:r>
+              <a:rPr lang="en-US" dirty="0" err="1"/>
+              <a:t>ucitava</a:t>
+            </a:r>
+            <a:r>
+              <a:rPr lang="en-US" dirty="0"/>
+              <a:t> </a:t>
+            </a:r>
+            <a:r>
+              <a:rPr lang="en-US" dirty="0" err="1"/>
+              <a:t>podatke</a:t>
+            </a:r>
+            <a:r>
+              <a:rPr lang="en-US" dirty="0"/>
+              <a:t> </a:t>
+            </a:r>
+            <a:r>
+              <a:rPr lang="en-US" dirty="0" err="1"/>
+              <a:t>iz</a:t>
+            </a:r>
+            <a:r>
+              <a:rPr lang="en-US" dirty="0"/>
+              <a:t> .csv dataset-a. </a:t>
+            </a:r>
+          </a:p>
+        </p:txBody>
+      </p:sp>
+    </p:spTree>
+    <p:extLst>
+      <p:ext uri="{BB962C8B-B14F-4D97-AF65-F5344CB8AC3E}">
+        <p14:creationId xmlns:p14="http://schemas.microsoft.com/office/powerpoint/2010/main" val="1727055962"/>
+      </p:ext>
+    </p:extLst>
+  </p:cSld>
+  <p:clrMapOvr>
+    <a:masterClrMapping/>
+  </p:clrMapOvr>
+</p:sld>
+</file>
+
+<file path=ppt/slides/slide15.xml><?xml version="1.0" encoding="utf-8"?>
+<p:sld xmlns:a="http://schemas.openxmlformats.org/drawingml/2006/main" xmlns:r="http://schemas.openxmlformats.org/officeDocument/2006/relationships" xmlns:p="http://schemas.openxmlformats.org/presentationml/2006/main">
+  <p:cSld>
+    <p:spTree>
+      <p:nvGrpSpPr>
+        <p:cNvPr id="1" name=""/>
+        <p:cNvGrpSpPr/>
+        <p:nvPr/>
+      </p:nvGrpSpPr>
+      <p:grpSpPr>
+        <a:xfrm>
+          <a:off x="0" y="0"/>
+          <a:ext cx="0" cy="0"/>
+          <a:chOff x="0" y="0"/>
+          <a:chExt cx="0" cy="0"/>
+        </a:xfrm>
+      </p:grpSpPr>
+      <p:sp>
+        <p:nvSpPr>
+          <p:cNvPr id="2" name="Title 1">
+            <a:extLst>
+              <a:ext uri="{FF2B5EF4-FFF2-40B4-BE49-F238E27FC236}">
+                <a16:creationId xmlns:a16="http://schemas.microsoft.com/office/drawing/2014/main" id="{9F3A1123-7E28-4367-B50E-37E3CD5FDA7F}"/>
+              </a:ext>
+            </a:extLst>
+          </p:cNvPr>
+          <p:cNvSpPr>
+            <a:spLocks noGrp="1"/>
+          </p:cNvSpPr>
+          <p:nvPr>
+            <p:ph type="title"/>
+          </p:nvPr>
+        </p:nvSpPr>
+        <p:spPr/>
+        <p:txBody>
+          <a:bodyPr/>
+          <a:lstStyle/>
+          <a:p>
+            <a:pPr algn="ctr"/>
+            <a:r>
+              <a:rPr lang="en-US" dirty="0" err="1"/>
+              <a:t>Projekat</a:t>
+            </a:r>
+            <a:r>
+              <a:rPr lang="en-US" dirty="0"/>
+              <a:t> 3 – </a:t>
+            </a:r>
+            <a:r>
+              <a:rPr lang="en-US" dirty="0" err="1"/>
+              <a:t>Arhitektura</a:t>
+            </a:r>
+            <a:r>
+              <a:rPr lang="en-US" dirty="0"/>
+              <a:t> </a:t>
+            </a:r>
+          </a:p>
+        </p:txBody>
+      </p:sp>
+      <p:pic>
+        <p:nvPicPr>
+          <p:cNvPr id="5" name="Content Placeholder 4">
+            <a:extLst>
+              <a:ext uri="{FF2B5EF4-FFF2-40B4-BE49-F238E27FC236}">
+                <a16:creationId xmlns:a16="http://schemas.microsoft.com/office/drawing/2014/main" id="{80315FCF-FC51-44CE-81D8-44FF65EE1EDE}"/>
+              </a:ext>
+            </a:extLst>
+          </p:cNvPr>
+          <p:cNvPicPr>
+            <a:picLocks noGrp="1" noChangeAspect="1"/>
+          </p:cNvPicPr>
+          <p:nvPr>
+            <p:ph idx="1"/>
+          </p:nvPr>
+        </p:nvPicPr>
+        <p:blipFill>
+          <a:blip r:embed="rId2"/>
+          <a:stretch>
+            <a:fillRect/>
+          </a:stretch>
+        </p:blipFill>
+        <p:spPr>
+          <a:xfrm>
+            <a:off x="2592925" y="1495167"/>
+            <a:ext cx="8562403" cy="4552607"/>
+          </a:xfrm>
+        </p:spPr>
+      </p:pic>
+    </p:spTree>
+    <p:extLst>
+      <p:ext uri="{BB962C8B-B14F-4D97-AF65-F5344CB8AC3E}">
+        <p14:creationId xmlns:p14="http://schemas.microsoft.com/office/powerpoint/2010/main" val="4168635874"/>
+      </p:ext>
+    </p:extLst>
+  </p:cSld>
+  <p:clrMapOvr>
+    <a:masterClrMapping/>
+  </p:clrMapOvr>
+</p:sld>
+</file>
+
+<file path=ppt/slides/slide16.xml><?xml version="1.0" encoding="utf-8"?>
+<p:sld xmlns:a="http://schemas.openxmlformats.org/drawingml/2006/main" xmlns:r="http://schemas.openxmlformats.org/officeDocument/2006/relationships" xmlns:p="http://schemas.openxmlformats.org/presentationml/2006/main">
+  <p:cSld>
+    <p:spTree>
+      <p:nvGrpSpPr>
+        <p:cNvPr id="1" name=""/>
+        <p:cNvGrpSpPr/>
+        <p:nvPr/>
+      </p:nvGrpSpPr>
+      <p:grpSpPr>
+        <a:xfrm>
+          <a:off x="0" y="0"/>
+          <a:ext cx="0" cy="0"/>
+          <a:chOff x="0" y="0"/>
+          <a:chExt cx="0" cy="0"/>
+        </a:xfrm>
+      </p:grpSpPr>
+      <p:sp>
+        <p:nvSpPr>
+          <p:cNvPr id="2" name="Title 1">
+            <a:extLst>
+              <a:ext uri="{FF2B5EF4-FFF2-40B4-BE49-F238E27FC236}">
+                <a16:creationId xmlns:a16="http://schemas.microsoft.com/office/drawing/2014/main" id="{B7304245-EA76-4FC2-A656-3834522E9F1C}"/>
+              </a:ext>
+            </a:extLst>
+          </p:cNvPr>
+          <p:cNvSpPr>
+            <a:spLocks noGrp="1"/>
+          </p:cNvSpPr>
+          <p:nvPr>
+            <p:ph type="title"/>
+          </p:nvPr>
+        </p:nvSpPr>
+        <p:spPr>
+          <a:xfrm>
+            <a:off x="1640156" y="191521"/>
+            <a:ext cx="8911687" cy="1280890"/>
+          </a:xfrm>
+        </p:spPr>
+        <p:txBody>
+          <a:bodyPr/>
+          <a:lstStyle/>
+          <a:p>
+            <a:pPr algn="ctr"/>
+            <a:r>
+              <a:rPr lang="en-US" dirty="0" err="1"/>
+              <a:t>Projekat</a:t>
+            </a:r>
+            <a:r>
+              <a:rPr lang="en-US" dirty="0"/>
+              <a:t> 3 – </a:t>
+            </a:r>
+            <a:r>
+              <a:rPr lang="en-US" dirty="0" err="1"/>
+              <a:t>Senzor</a:t>
+            </a:r>
+            <a:r>
+              <a:rPr lang="en-US" dirty="0"/>
+              <a:t> &amp; </a:t>
+            </a:r>
+            <a:r>
+              <a:rPr lang="en-US" dirty="0" err="1"/>
+              <a:t>Aktuator</a:t>
+            </a:r>
+            <a:endParaRPr lang="en-US" dirty="0"/>
+          </a:p>
+        </p:txBody>
+      </p:sp>
+      <p:pic>
+        <p:nvPicPr>
+          <p:cNvPr id="7" name="Picture 6">
+            <a:extLst>
+              <a:ext uri="{FF2B5EF4-FFF2-40B4-BE49-F238E27FC236}">
+                <a16:creationId xmlns:a16="http://schemas.microsoft.com/office/drawing/2014/main" id="{3CC8A8C6-688E-4616-94AA-3C6E48FF52E5}"/>
+              </a:ext>
+            </a:extLst>
+          </p:cNvPr>
+          <p:cNvPicPr>
+            <a:picLocks noChangeAspect="1"/>
+          </p:cNvPicPr>
+          <p:nvPr/>
+        </p:nvPicPr>
+        <p:blipFill>
+          <a:blip r:embed="rId2"/>
+          <a:stretch>
+            <a:fillRect/>
+          </a:stretch>
+        </p:blipFill>
+        <p:spPr>
+          <a:xfrm>
+            <a:off x="1123255" y="732570"/>
+            <a:ext cx="9945488" cy="6125430"/>
+          </a:xfrm>
+          <a:prstGeom prst="rect">
+            <a:avLst/>
+          </a:prstGeom>
+        </p:spPr>
+      </p:pic>
+      <p:pic>
+        <p:nvPicPr>
+          <p:cNvPr id="5" name="Content Placeholder 4">
+            <a:extLst>
+              <a:ext uri="{FF2B5EF4-FFF2-40B4-BE49-F238E27FC236}">
+                <a16:creationId xmlns:a16="http://schemas.microsoft.com/office/drawing/2014/main" id="{0D73CBBE-A60C-4672-B750-514A8FDE8D0C}"/>
+              </a:ext>
+            </a:extLst>
+          </p:cNvPr>
+          <p:cNvPicPr>
+            <a:picLocks noGrp="1" noChangeAspect="1"/>
+          </p:cNvPicPr>
+          <p:nvPr>
+            <p:ph idx="1"/>
+          </p:nvPr>
+        </p:nvPicPr>
+        <p:blipFill>
+          <a:blip r:embed="rId3"/>
+          <a:stretch>
+            <a:fillRect/>
+          </a:stretch>
+        </p:blipFill>
+        <p:spPr>
+          <a:xfrm>
+            <a:off x="6052637" y="831966"/>
+            <a:ext cx="4757656" cy="2652537"/>
+          </a:xfrm>
+        </p:spPr>
+      </p:pic>
+    </p:spTree>
+    <p:extLst>
+      <p:ext uri="{BB962C8B-B14F-4D97-AF65-F5344CB8AC3E}">
+        <p14:creationId xmlns:p14="http://schemas.microsoft.com/office/powerpoint/2010/main" val="2195182873"/>
+      </p:ext>
+    </p:extLst>
+  </p:cSld>
+  <p:clrMapOvr>
+    <a:masterClrMapping/>
+  </p:clrMapOvr>
+</p:sld>
+</file>
+
+<file path=ppt/slides/slide17.xml><?xml version="1.0" encoding="utf-8"?>
+<p:sld xmlns:a="http://schemas.openxmlformats.org/drawingml/2006/main" xmlns:r="http://schemas.openxmlformats.org/officeDocument/2006/relationships" xmlns:p="http://schemas.openxmlformats.org/presentationml/2006/main">
+  <p:cSld>
+    <p:spTree>
+      <p:nvGrpSpPr>
+        <p:cNvPr id="1" name=""/>
+        <p:cNvGrpSpPr/>
+        <p:nvPr/>
+      </p:nvGrpSpPr>
+      <p:grpSpPr>
+        <a:xfrm>
+          <a:off x="0" y="0"/>
+          <a:ext cx="0" cy="0"/>
+          <a:chOff x="0" y="0"/>
+          <a:chExt cx="0" cy="0"/>
+        </a:xfrm>
+      </p:grpSpPr>
+      <p:sp>
+        <p:nvSpPr>
+          <p:cNvPr id="2" name="Title 1">
+            <a:extLst>
+              <a:ext uri="{FF2B5EF4-FFF2-40B4-BE49-F238E27FC236}">
+                <a16:creationId xmlns:a16="http://schemas.microsoft.com/office/drawing/2014/main" id="{127619F7-C7D3-4CB7-B259-F8CACEADBAC8}"/>
+              </a:ext>
+            </a:extLst>
+          </p:cNvPr>
+          <p:cNvSpPr>
+            <a:spLocks noGrp="1"/>
+          </p:cNvSpPr>
+          <p:nvPr>
+            <p:ph type="title"/>
+          </p:nvPr>
+        </p:nvSpPr>
+        <p:spPr/>
+        <p:txBody>
+          <a:bodyPr/>
+          <a:lstStyle/>
+          <a:p>
+            <a:r>
+              <a:rPr lang="en-US" dirty="0" err="1"/>
+              <a:t>Projekat</a:t>
+            </a:r>
+            <a:r>
+              <a:rPr lang="en-US" dirty="0"/>
+              <a:t> 3 – Grafana</a:t>
+            </a:r>
+          </a:p>
+        </p:txBody>
+      </p:sp>
+      <p:sp>
+        <p:nvSpPr>
+          <p:cNvPr id="3" name="Content Placeholder 2">
+            <a:extLst>
+              <a:ext uri="{FF2B5EF4-FFF2-40B4-BE49-F238E27FC236}">
+                <a16:creationId xmlns:a16="http://schemas.microsoft.com/office/drawing/2014/main" id="{367E609B-1342-48F3-9621-08998F7105CF}"/>
+              </a:ext>
+            </a:extLst>
+          </p:cNvPr>
+          <p:cNvSpPr>
+            <a:spLocks noGrp="1"/>
+          </p:cNvSpPr>
+          <p:nvPr>
+            <p:ph idx="1"/>
+          </p:nvPr>
+        </p:nvSpPr>
+        <p:spPr/>
+        <p:txBody>
+          <a:bodyPr/>
+          <a:lstStyle/>
+          <a:p>
+            <a:r>
+              <a:rPr lang="en-US" dirty="0" err="1"/>
+              <a:t>Slika</a:t>
+            </a:r>
+            <a:r>
+              <a:rPr lang="en-US" dirty="0"/>
+              <a:t> za </a:t>
+            </a:r>
+            <a:r>
+              <a:rPr lang="en-US" dirty="0" err="1"/>
+              <a:t>grafanu</a:t>
+            </a:r>
+            <a:endParaRPr lang="en-US" dirty="0"/>
+          </a:p>
+        </p:txBody>
+      </p:sp>
+    </p:spTree>
+    <p:extLst>
+      <p:ext uri="{BB962C8B-B14F-4D97-AF65-F5344CB8AC3E}">
+        <p14:creationId xmlns:p14="http://schemas.microsoft.com/office/powerpoint/2010/main" val="3589872978"/>
+      </p:ext>
+    </p:extLst>
+  </p:cSld>
+  <p:clrMapOvr>
+    <a:masterClrMapping/>
+  </p:clrMapOvr>
+</p:sld>
+</file>
+
+<file path=ppt/slides/slide18.xml><?xml version="1.0" encoding="utf-8"?>
+<p:sld xmlns:a="http://schemas.openxmlformats.org/drawingml/2006/main" xmlns:r="http://schemas.openxmlformats.org/officeDocument/2006/relationships" xmlns:p="http://schemas.openxmlformats.org/presentationml/2006/main">
+  <p:cSld>
+    <p:spTree>
+      <p:nvGrpSpPr>
+        <p:cNvPr id="1" name=""/>
+        <p:cNvGrpSpPr/>
+        <p:nvPr/>
+      </p:nvGrpSpPr>
+      <p:grpSpPr>
+        <a:xfrm>
+          <a:off x="0" y="0"/>
+          <a:ext cx="0" cy="0"/>
+          <a:chOff x="0" y="0"/>
+          <a:chExt cx="0" cy="0"/>
+        </a:xfrm>
+      </p:grpSpPr>
+      <p:sp>
+        <p:nvSpPr>
+          <p:cNvPr id="2" name="Title 1">
+            <a:extLst>
+              <a:ext uri="{FF2B5EF4-FFF2-40B4-BE49-F238E27FC236}">
                 <a16:creationId xmlns:a16="http://schemas.microsoft.com/office/drawing/2014/main" id="{675A9E94-692B-41EB-A471-FFD5C29B4D8B}"/>
               </a:ext>
             </a:extLst>

--- a/Prezentacija projekata/Servisno-orijentisane arhitekture – Projekti.pptx
+++ b/Prezentacija projekata/Servisno-orijentisane arhitekture – Projekti.pptx
@@ -318,7 +318,7 @@
             <a:fld id="{B61BEF0D-F0BB-DE4B-95CE-6DB70DBA9567}" type="datetimeFigureOut">
               <a:rPr lang="en-US" smtClean="0"/>
               <a:pPr/>
-              <a:t>8/10/2022</a:t>
+              <a:t>8/21/2022</a:t>
             </a:fld>
             <a:endParaRPr lang="en-US" dirty="0"/>
           </a:p>
@@ -658,7 +658,7 @@
             <a:fld id="{B61BEF0D-F0BB-DE4B-95CE-6DB70DBA9567}" type="datetimeFigureOut">
               <a:rPr lang="en-US" smtClean="0"/>
               <a:pPr/>
-              <a:t>8/10/2022</a:t>
+              <a:t>8/21/2022</a:t>
             </a:fld>
             <a:endParaRPr lang="en-US" dirty="0"/>
           </a:p>
@@ -1061,7 +1061,7 @@
             <a:fld id="{B61BEF0D-F0BB-DE4B-95CE-6DB70DBA9567}" type="datetimeFigureOut">
               <a:rPr lang="en-US" smtClean="0"/>
               <a:pPr/>
-              <a:t>8/10/2022</a:t>
+              <a:t>8/21/2022</a:t>
             </a:fld>
             <a:endParaRPr lang="en-US" dirty="0"/>
           </a:p>
@@ -1399,7 +1399,7 @@
             <a:fld id="{B61BEF0D-F0BB-DE4B-95CE-6DB70DBA9567}" type="datetimeFigureOut">
               <a:rPr lang="en-US" smtClean="0"/>
               <a:pPr/>
-              <a:t>8/10/2022</a:t>
+              <a:t>8/21/2022</a:t>
             </a:fld>
             <a:endParaRPr lang="en-US" dirty="0"/>
           </a:p>
@@ -1721,7 +1721,7 @@
             <a:fld id="{B61BEF0D-F0BB-DE4B-95CE-6DB70DBA9567}" type="datetimeFigureOut">
               <a:rPr lang="en-US" smtClean="0"/>
               <a:pPr/>
-              <a:t>8/10/2022</a:t>
+              <a:t>8/21/2022</a:t>
             </a:fld>
             <a:endParaRPr lang="en-US" dirty="0"/>
           </a:p>
@@ -2119,7 +2119,7 @@
             <a:fld id="{B61BEF0D-F0BB-DE4B-95CE-6DB70DBA9567}" type="datetimeFigureOut">
               <a:rPr lang="en-US" smtClean="0"/>
               <a:pPr/>
-              <a:t>8/10/2022</a:t>
+              <a:t>8/21/2022</a:t>
             </a:fld>
             <a:endParaRPr lang="en-US" dirty="0"/>
           </a:p>
@@ -2378,7 +2378,7 @@
             <a:fld id="{B61BEF0D-F0BB-DE4B-95CE-6DB70DBA9567}" type="datetimeFigureOut">
               <a:rPr lang="en-US" smtClean="0"/>
               <a:pPr/>
-              <a:t>8/10/2022</a:t>
+              <a:t>8/21/2022</a:t>
             </a:fld>
             <a:endParaRPr lang="en-US" dirty="0"/>
           </a:p>
@@ -2642,7 +2642,7 @@
             <a:fld id="{B61BEF0D-F0BB-DE4B-95CE-6DB70DBA9567}" type="datetimeFigureOut">
               <a:rPr lang="en-US" smtClean="0"/>
               <a:pPr/>
-              <a:t>8/10/2022</a:t>
+              <a:t>8/21/2022</a:t>
             </a:fld>
             <a:endParaRPr lang="en-US" dirty="0"/>
           </a:p>
@@ -2906,7 +2906,7 @@
             <a:fld id="{B61BEF0D-F0BB-DE4B-95CE-6DB70DBA9567}" type="datetimeFigureOut">
               <a:rPr lang="en-US" smtClean="0"/>
               <a:pPr/>
-              <a:t>8/10/2022</a:t>
+              <a:t>8/21/2022</a:t>
             </a:fld>
             <a:endParaRPr lang="en-US" dirty="0"/>
           </a:p>
@@ -3237,7 +3237,7 @@
             <a:fld id="{B61BEF0D-F0BB-DE4B-95CE-6DB70DBA9567}" type="datetimeFigureOut">
               <a:rPr lang="en-US" smtClean="0"/>
               <a:pPr/>
-              <a:t>8/10/2022</a:t>
+              <a:t>8/21/2022</a:t>
             </a:fld>
             <a:endParaRPr lang="en-US" dirty="0"/>
           </a:p>
@@ -3562,7 +3562,7 @@
             <a:fld id="{B61BEF0D-F0BB-DE4B-95CE-6DB70DBA9567}" type="datetimeFigureOut">
               <a:rPr lang="en-US" smtClean="0"/>
               <a:pPr/>
-              <a:t>8/10/2022</a:t>
+              <a:t>8/21/2022</a:t>
             </a:fld>
             <a:endParaRPr lang="en-US" dirty="0"/>
           </a:p>
@@ -4021,7 +4021,7 @@
             <a:fld id="{B61BEF0D-F0BB-DE4B-95CE-6DB70DBA9567}" type="datetimeFigureOut">
               <a:rPr lang="en-US" smtClean="0"/>
               <a:pPr/>
-              <a:t>8/10/2022</a:t>
+              <a:t>8/21/2022</a:t>
             </a:fld>
             <a:endParaRPr lang="en-US" dirty="0"/>
           </a:p>
@@ -4228,7 +4228,7 @@
             <a:fld id="{B61BEF0D-F0BB-DE4B-95CE-6DB70DBA9567}" type="datetimeFigureOut">
               <a:rPr lang="en-US" smtClean="0"/>
               <a:pPr/>
-              <a:t>8/10/2022</a:t>
+              <a:t>8/21/2022</a:t>
             </a:fld>
             <a:endParaRPr lang="en-US" dirty="0"/>
           </a:p>
@@ -4407,7 +4407,7 @@
             <a:fld id="{B61BEF0D-F0BB-DE4B-95CE-6DB70DBA9567}" type="datetimeFigureOut">
               <a:rPr lang="en-US" smtClean="0"/>
               <a:pPr/>
-              <a:t>8/10/2022</a:t>
+              <a:t>8/21/2022</a:t>
             </a:fld>
             <a:endParaRPr lang="en-US" dirty="0"/>
           </a:p>
@@ -4742,7 +4742,7 @@
             <a:fld id="{B61BEF0D-F0BB-DE4B-95CE-6DB70DBA9567}" type="datetimeFigureOut">
               <a:rPr lang="en-US" smtClean="0"/>
               <a:pPr/>
-              <a:t>8/10/2022</a:t>
+              <a:t>8/21/2022</a:t>
             </a:fld>
             <a:endParaRPr lang="en-US" dirty="0"/>
           </a:p>
@@ -5089,7 +5089,7 @@
             <a:fld id="{B61BEF0D-F0BB-DE4B-95CE-6DB70DBA9567}" type="datetimeFigureOut">
               <a:rPr lang="en-US" smtClean="0"/>
               <a:pPr/>
-              <a:t>8/10/2022</a:t>
+              <a:t>8/21/2022</a:t>
             </a:fld>
             <a:endParaRPr lang="en-US" dirty="0"/>
           </a:p>
@@ -7208,7 +7208,7 @@
             <a:fld id="{B61BEF0D-F0BB-DE4B-95CE-6DB70DBA9567}" type="datetimeFigureOut">
               <a:rPr lang="en-US" smtClean="0"/>
               <a:pPr/>
-              <a:t>8/10/2022</a:t>
+              <a:t>8/21/2022</a:t>
             </a:fld>
             <a:endParaRPr lang="en-US" dirty="0"/>
           </a:p>
@@ -9153,12 +9153,8 @@
           </a:p>
           <a:p>
             <a:r>
-              <a:rPr lang="en-US" dirty="0" err="1"/>
-              <a:t>Svi</a:t>
-            </a:r>
-            <a:r>
-              <a:rPr lang="en-US" dirty="0"/>
-              <a:t> </a:t>
+              <a:rPr lang="en-US" dirty="0"/>
+              <a:t>Svi </a:t>
             </a:r>
             <a:r>
               <a:rPr lang="en-US" dirty="0" err="1"/>
@@ -9190,15 +9186,11 @@
             </a:r>
             <a:r>
               <a:rPr lang="en-US" dirty="0"/>
-              <a:t> u Time </a:t>
-            </a:r>
-            <a:r>
-              <a:rPr lang="en-US" dirty="0" err="1"/>
-              <a:t>Serius</a:t>
-            </a:r>
-            <a:r>
-              <a:rPr lang="en-US" dirty="0"/>
-              <a:t> </a:t>
+              <a:t> u </a:t>
+            </a:r>
+            <a:r>
+              <a:rPr lang="en-US"/>
+              <a:t>Time Series </a:t>
             </a:r>
             <a:r>
               <a:rPr lang="en-US" dirty="0" err="1"/>

--- a/Prezentacija projekata/Servisno-orijentisane arhitekture – Projekti.pptx
+++ b/Prezentacija projekata/Servisno-orijentisane arhitekture – Projekti.pptx
@@ -8724,53 +8724,48 @@
             </a:r>
             <a:r>
               <a:rPr lang="en-US" dirty="0"/>
-              <a:t> 2 - </a:t>
+              <a:t> 2 – </a:t>
             </a:r>
             <a:r>
               <a:rPr lang="en-US" dirty="0" err="1"/>
               <a:t>gRPC</a:t>
             </a:r>
-            <a:endParaRPr lang="en-US" dirty="0"/>
-          </a:p>
-        </p:txBody>
-      </p:sp>
-      <p:sp>
-        <p:nvSpPr>
-          <p:cNvPr id="3" name="Content Placeholder 2">
+            <a:r>
+              <a:rPr lang="en-US" dirty="0"/>
+              <a:t> proto</a:t>
+            </a:r>
+          </a:p>
+        </p:txBody>
+      </p:sp>
+      <p:pic>
+        <p:nvPicPr>
+          <p:cNvPr id="5" name="Content Placeholder 4">
             <a:extLst>
               <a:ext uri="{FF2B5EF4-FFF2-40B4-BE49-F238E27FC236}">
-                <a16:creationId xmlns:a16="http://schemas.microsoft.com/office/drawing/2014/main" id="{968D5202-A122-4BD5-871D-5692CE23E17B}"/>
+                <a16:creationId xmlns:a16="http://schemas.microsoft.com/office/drawing/2014/main" id="{FDAC944F-596F-800A-853D-AF6E92CBE68A}"/>
               </a:ext>
             </a:extLst>
           </p:cNvPr>
-          <p:cNvSpPr>
-            <a:spLocks noGrp="1"/>
-          </p:cNvSpPr>
+          <p:cNvPicPr>
+            <a:picLocks noGrp="1" noChangeAspect="1"/>
+          </p:cNvPicPr>
           <p:nvPr>
             <p:ph idx="1"/>
           </p:nvPr>
-        </p:nvSpPr>
-        <p:spPr/>
-        <p:txBody>
-          <a:bodyPr/>
-          <a:lstStyle/>
-          <a:p>
-            <a:r>
-              <a:rPr lang="en-US" dirty="0" err="1"/>
-              <a:t>Slika</a:t>
-            </a:r>
-            <a:r>
-              <a:rPr lang="en-US" dirty="0"/>
-              <a:t> za </a:t>
-            </a:r>
-            <a:r>
-              <a:rPr lang="en-US" dirty="0" err="1"/>
-              <a:t>gRPC</a:t>
-            </a:r>
-            <a:endParaRPr lang="en-US" dirty="0"/>
-          </a:p>
-        </p:txBody>
-      </p:sp>
+        </p:nvPicPr>
+        <p:blipFill>
+          <a:blip r:embed="rId2"/>
+          <a:stretch>
+            <a:fillRect/>
+          </a:stretch>
+        </p:blipFill>
+        <p:spPr>
+          <a:xfrm>
+            <a:off x="2592925" y="1234346"/>
+            <a:ext cx="4970850" cy="5237476"/>
+          </a:xfrm>
+        </p:spPr>
+      </p:pic>
     </p:spTree>
     <p:extLst>
       <p:ext uri="{BB962C8B-B14F-4D97-AF65-F5344CB8AC3E}">
@@ -9186,11 +9181,7 @@
             </a:r>
             <a:r>
               <a:rPr lang="en-US" dirty="0"/>
-              <a:t> u </a:t>
-            </a:r>
-            <a:r>
-              <a:rPr lang="en-US"/>
-              <a:t>Time Series </a:t>
+              <a:t> u Time Series </a:t>
             </a:r>
             <a:r>
               <a:rPr lang="en-US" dirty="0" err="1"/>

--- a/Prezentacija projekata/Servisno-orijentisane arhitekture – Projekti.pptx
+++ b/Prezentacija projekata/Servisno-orijentisane arhitekture – Projekti.pptx
@@ -9618,11 +9618,17 @@
             <p:ph type="title"/>
           </p:nvPr>
         </p:nvSpPr>
-        <p:spPr/>
+        <p:spPr>
+          <a:xfrm>
+            <a:off x="1640156" y="526456"/>
+            <a:ext cx="8911687" cy="1280890"/>
+          </a:xfrm>
+        </p:spPr>
         <p:txBody>
           <a:bodyPr/>
           <a:lstStyle/>
           <a:p>
+            <a:pPr algn="ctr"/>
             <a:r>
               <a:rPr lang="en-US" dirty="0" err="1"/>
               <a:t>Projekat</a:t>
@@ -9634,43 +9640,35 @@
           </a:p>
         </p:txBody>
       </p:sp>
-      <p:sp>
-        <p:nvSpPr>
-          <p:cNvPr id="3" name="Content Placeholder 2">
+      <p:pic>
+        <p:nvPicPr>
+          <p:cNvPr id="5" name="Content Placeholder 4">
             <a:extLst>
               <a:ext uri="{FF2B5EF4-FFF2-40B4-BE49-F238E27FC236}">
-                <a16:creationId xmlns:a16="http://schemas.microsoft.com/office/drawing/2014/main" id="{367E609B-1342-48F3-9621-08998F7105CF}"/>
+                <a16:creationId xmlns:a16="http://schemas.microsoft.com/office/drawing/2014/main" id="{785A25BE-B7D5-ECBF-B55C-F199D60D0818}"/>
               </a:ext>
             </a:extLst>
           </p:cNvPr>
-          <p:cNvSpPr>
-            <a:spLocks noGrp="1"/>
-          </p:cNvSpPr>
+          <p:cNvPicPr>
+            <a:picLocks noGrp="1" noChangeAspect="1"/>
+          </p:cNvPicPr>
           <p:nvPr>
             <p:ph idx="1"/>
           </p:nvPr>
-        </p:nvSpPr>
-        <p:spPr/>
-        <p:txBody>
-          <a:bodyPr/>
-          <a:lstStyle/>
-          <a:p>
-            <a:r>
-              <a:rPr lang="en-US" dirty="0" err="1"/>
-              <a:t>Slika</a:t>
-            </a:r>
-            <a:r>
-              <a:rPr lang="en-US" dirty="0"/>
-              <a:t> za </a:t>
-            </a:r>
-            <a:r>
-              <a:rPr lang="en-US" dirty="0" err="1"/>
-              <a:t>grafanu</a:t>
-            </a:r>
-            <a:endParaRPr lang="en-US" dirty="0"/>
-          </a:p>
-        </p:txBody>
-      </p:sp>
+        </p:nvPicPr>
+        <p:blipFill>
+          <a:blip r:embed="rId2"/>
+          <a:stretch>
+            <a:fillRect/>
+          </a:stretch>
+        </p:blipFill>
+        <p:spPr>
+          <a:xfrm>
+            <a:off x="1779144" y="1306606"/>
+            <a:ext cx="8633709" cy="4730533"/>
+          </a:xfrm>
+        </p:spPr>
+      </p:pic>
     </p:spTree>
     <p:extLst>
       <p:ext uri="{BB962C8B-B14F-4D97-AF65-F5344CB8AC3E}">

--- a/Prezentacija projekata/Servisno-orijentisane arhitekture – Projekti.pptx
+++ b/Prezentacija projekata/Servisno-orijentisane arhitekture – Projekti.pptx
@@ -7864,7 +7864,7 @@
         </p:nvSpPr>
         <p:spPr>
           <a:xfrm>
-            <a:off x="2273643" y="624110"/>
+            <a:off x="1480515" y="437679"/>
             <a:ext cx="9230969" cy="1280890"/>
           </a:xfrm>
         </p:spPr>
@@ -7907,7 +7907,7 @@
         </p:nvSpPr>
         <p:spPr>
           <a:xfrm>
-            <a:off x="2273643" y="1556951"/>
+            <a:off x="2838799" y="1407851"/>
             <a:ext cx="9230968" cy="4354271"/>
           </a:xfrm>
         </p:spPr>
@@ -8441,7 +8441,7 @@
         </p:nvSpPr>
         <p:spPr>
           <a:xfrm>
-            <a:off x="2301308" y="64955"/>
+            <a:off x="1640155" y="105679"/>
             <a:ext cx="8911687" cy="1280890"/>
           </a:xfrm>
         </p:spPr>
@@ -8449,6 +8449,7 @@
           <a:bodyPr/>
           <a:lstStyle/>
           <a:p>
+            <a:pPr algn="ctr"/>
             <a:r>
               <a:rPr lang="en-US" dirty="0" err="1"/>
               <a:t>Projekat</a:t>
@@ -8713,11 +8714,17 @@
             <p:ph type="title"/>
           </p:nvPr>
         </p:nvSpPr>
-        <p:spPr/>
+        <p:spPr>
+          <a:xfrm>
+            <a:off x="1430373" y="380836"/>
+            <a:ext cx="8911687" cy="1280890"/>
+          </a:xfrm>
+        </p:spPr>
         <p:txBody>
           <a:bodyPr/>
           <a:lstStyle/>
           <a:p>
+            <a:pPr algn="ctr"/>
             <a:r>
               <a:rPr lang="en-US" dirty="0" err="1"/>
               <a:t>Projekat</a:t>
@@ -8761,7 +8768,7 @@
         </p:blipFill>
         <p:spPr>
           <a:xfrm>
-            <a:off x="2592925" y="1234346"/>
+            <a:off x="3400791" y="1376389"/>
             <a:ext cx="4970850" cy="5237476"/>
           </a:xfrm>
         </p:spPr>
@@ -8812,11 +8819,17 @@
             <p:ph type="title"/>
           </p:nvPr>
         </p:nvSpPr>
-        <p:spPr/>
+        <p:spPr>
+          <a:xfrm>
+            <a:off x="1640156" y="306333"/>
+            <a:ext cx="8911687" cy="1280890"/>
+          </a:xfrm>
+        </p:spPr>
         <p:txBody>
           <a:bodyPr/>
           <a:lstStyle/>
           <a:p>
+            <a:pPr algn="ctr"/>
             <a:r>
               <a:rPr lang="en-US" dirty="0" err="1"/>
               <a:t>Projekat</a:t>
@@ -8852,7 +8865,12 @@
             <p:ph idx="1"/>
           </p:nvPr>
         </p:nvSpPr>
-        <p:spPr/>
+        <p:spPr>
+          <a:xfrm>
+            <a:off x="2811153" y="1587223"/>
+            <a:ext cx="8915400" cy="3777622"/>
+          </a:xfrm>
+        </p:spPr>
         <p:txBody>
           <a:bodyPr/>
           <a:lstStyle/>
@@ -9378,7 +9396,12 @@
             <p:ph type="title"/>
           </p:nvPr>
         </p:nvSpPr>
-        <p:spPr/>
+        <p:spPr>
+          <a:xfrm>
+            <a:off x="1640156" y="473189"/>
+            <a:ext cx="8911687" cy="1280890"/>
+          </a:xfrm>
+        </p:spPr>
         <p:txBody>
           <a:bodyPr/>
           <a:lstStyle/>
@@ -9427,7 +9450,7 @@
         </p:blipFill>
         <p:spPr>
           <a:xfrm>
-            <a:off x="2592925" y="1495167"/>
+            <a:off x="1814797" y="1353124"/>
             <a:ext cx="8562403" cy="4552607"/>
           </a:xfrm>
         </p:spPr>
@@ -9480,7 +9503,7 @@
         </p:nvSpPr>
         <p:spPr>
           <a:xfrm>
-            <a:off x="1640156" y="191521"/>
+            <a:off x="1596793" y="191521"/>
             <a:ext cx="8911687" cy="1280890"/>
           </a:xfrm>
         </p:spPr>
@@ -9535,7 +9558,7 @@
         </p:blipFill>
         <p:spPr>
           <a:xfrm>
-            <a:off x="1123255" y="732570"/>
+            <a:off x="1123256" y="732570"/>
             <a:ext cx="9945488" cy="6125430"/>
           </a:xfrm>
           <a:prstGeom prst="rect">
@@ -9891,7 +9914,7 @@
         </p:nvSpPr>
         <p:spPr>
           <a:xfrm>
-            <a:off x="1149179" y="624110"/>
+            <a:off x="918283" y="508701"/>
             <a:ext cx="10355434" cy="1280890"/>
           </a:xfrm>
         </p:spPr>
@@ -9926,8 +9949,8 @@
         </p:nvSpPr>
         <p:spPr>
           <a:xfrm>
-            <a:off x="2026508" y="2133600"/>
-            <a:ext cx="9478104" cy="3777622"/>
+            <a:off x="2848398" y="1540189"/>
+            <a:ext cx="9180845" cy="3777622"/>
           </a:xfrm>
         </p:spPr>
         <p:txBody>
@@ -10096,7 +10119,7 @@
         </p:nvSpPr>
         <p:spPr>
           <a:xfrm>
-            <a:off x="1037969" y="624110"/>
+            <a:off x="862677" y="534933"/>
             <a:ext cx="10466644" cy="1280890"/>
           </a:xfrm>
         </p:spPr>
@@ -10131,7 +10154,7 @@
         </p:nvSpPr>
         <p:spPr>
           <a:xfrm>
-            <a:off x="2236572" y="2133600"/>
+            <a:off x="2766997" y="1620915"/>
             <a:ext cx="9268039" cy="3777622"/>
           </a:xfrm>
         </p:spPr>
@@ -10785,7 +10808,7 @@
         </p:nvSpPr>
         <p:spPr>
           <a:xfrm>
-            <a:off x="1124465" y="624110"/>
+            <a:off x="905926" y="544211"/>
             <a:ext cx="10380147" cy="1280890"/>
           </a:xfrm>
         </p:spPr>
@@ -10831,8 +10854,8 @@
         </p:nvSpPr>
         <p:spPr>
           <a:xfrm>
-            <a:off x="1124465" y="2133600"/>
-            <a:ext cx="10380147" cy="3777622"/>
+            <a:off x="2732202" y="1664475"/>
+            <a:ext cx="9128365" cy="3777622"/>
           </a:xfrm>
         </p:spPr>
         <p:txBody>
@@ -11176,7 +11199,7 @@
         </p:nvSpPr>
         <p:spPr>
           <a:xfrm>
-            <a:off x="1000897" y="624110"/>
+            <a:off x="844141" y="544211"/>
             <a:ext cx="10503715" cy="1280890"/>
           </a:xfrm>
         </p:spPr>
@@ -11225,7 +11248,7 @@
         </p:blipFill>
         <p:spPr>
           <a:xfrm>
-            <a:off x="2178755" y="1418545"/>
+            <a:off x="2178753" y="1498444"/>
             <a:ext cx="7834489" cy="4815345"/>
           </a:xfrm>
         </p:spPr>

--- a/Prezentacija projekata/Servisno-orijentisane arhitekture – Projekti.pptx
+++ b/Prezentacija projekata/Servisno-orijentisane arhitekture – Projekti.pptx
@@ -318,7 +318,7 @@
             <a:fld id="{B61BEF0D-F0BB-DE4B-95CE-6DB70DBA9567}" type="datetimeFigureOut">
               <a:rPr lang="en-US" smtClean="0"/>
               <a:pPr/>
-              <a:t>8/21/2022</a:t>
+              <a:t>8/23/2022</a:t>
             </a:fld>
             <a:endParaRPr lang="en-US" dirty="0"/>
           </a:p>
@@ -658,7 +658,7 @@
             <a:fld id="{B61BEF0D-F0BB-DE4B-95CE-6DB70DBA9567}" type="datetimeFigureOut">
               <a:rPr lang="en-US" smtClean="0"/>
               <a:pPr/>
-              <a:t>8/21/2022</a:t>
+              <a:t>8/23/2022</a:t>
             </a:fld>
             <a:endParaRPr lang="en-US" dirty="0"/>
           </a:p>
@@ -1061,7 +1061,7 @@
             <a:fld id="{B61BEF0D-F0BB-DE4B-95CE-6DB70DBA9567}" type="datetimeFigureOut">
               <a:rPr lang="en-US" smtClean="0"/>
               <a:pPr/>
-              <a:t>8/21/2022</a:t>
+              <a:t>8/23/2022</a:t>
             </a:fld>
             <a:endParaRPr lang="en-US" dirty="0"/>
           </a:p>
@@ -1399,7 +1399,7 @@
             <a:fld id="{B61BEF0D-F0BB-DE4B-95CE-6DB70DBA9567}" type="datetimeFigureOut">
               <a:rPr lang="en-US" smtClean="0"/>
               <a:pPr/>
-              <a:t>8/21/2022</a:t>
+              <a:t>8/23/2022</a:t>
             </a:fld>
             <a:endParaRPr lang="en-US" dirty="0"/>
           </a:p>
@@ -1721,7 +1721,7 @@
             <a:fld id="{B61BEF0D-F0BB-DE4B-95CE-6DB70DBA9567}" type="datetimeFigureOut">
               <a:rPr lang="en-US" smtClean="0"/>
               <a:pPr/>
-              <a:t>8/21/2022</a:t>
+              <a:t>8/23/2022</a:t>
             </a:fld>
             <a:endParaRPr lang="en-US" dirty="0"/>
           </a:p>
@@ -2119,7 +2119,7 @@
             <a:fld id="{B61BEF0D-F0BB-DE4B-95CE-6DB70DBA9567}" type="datetimeFigureOut">
               <a:rPr lang="en-US" smtClean="0"/>
               <a:pPr/>
-              <a:t>8/21/2022</a:t>
+              <a:t>8/23/2022</a:t>
             </a:fld>
             <a:endParaRPr lang="en-US" dirty="0"/>
           </a:p>
@@ -2378,7 +2378,7 @@
             <a:fld id="{B61BEF0D-F0BB-DE4B-95CE-6DB70DBA9567}" type="datetimeFigureOut">
               <a:rPr lang="en-US" smtClean="0"/>
               <a:pPr/>
-              <a:t>8/21/2022</a:t>
+              <a:t>8/23/2022</a:t>
             </a:fld>
             <a:endParaRPr lang="en-US" dirty="0"/>
           </a:p>
@@ -2642,7 +2642,7 @@
             <a:fld id="{B61BEF0D-F0BB-DE4B-95CE-6DB70DBA9567}" type="datetimeFigureOut">
               <a:rPr lang="en-US" smtClean="0"/>
               <a:pPr/>
-              <a:t>8/21/2022</a:t>
+              <a:t>8/23/2022</a:t>
             </a:fld>
             <a:endParaRPr lang="en-US" dirty="0"/>
           </a:p>
@@ -2906,7 +2906,7 @@
             <a:fld id="{B61BEF0D-F0BB-DE4B-95CE-6DB70DBA9567}" type="datetimeFigureOut">
               <a:rPr lang="en-US" smtClean="0"/>
               <a:pPr/>
-              <a:t>8/21/2022</a:t>
+              <a:t>8/23/2022</a:t>
             </a:fld>
             <a:endParaRPr lang="en-US" dirty="0"/>
           </a:p>
@@ -3237,7 +3237,7 @@
             <a:fld id="{B61BEF0D-F0BB-DE4B-95CE-6DB70DBA9567}" type="datetimeFigureOut">
               <a:rPr lang="en-US" smtClean="0"/>
               <a:pPr/>
-              <a:t>8/21/2022</a:t>
+              <a:t>8/23/2022</a:t>
             </a:fld>
             <a:endParaRPr lang="en-US" dirty="0"/>
           </a:p>
@@ -3562,7 +3562,7 @@
             <a:fld id="{B61BEF0D-F0BB-DE4B-95CE-6DB70DBA9567}" type="datetimeFigureOut">
               <a:rPr lang="en-US" smtClean="0"/>
               <a:pPr/>
-              <a:t>8/21/2022</a:t>
+              <a:t>8/23/2022</a:t>
             </a:fld>
             <a:endParaRPr lang="en-US" dirty="0"/>
           </a:p>
@@ -4021,7 +4021,7 @@
             <a:fld id="{B61BEF0D-F0BB-DE4B-95CE-6DB70DBA9567}" type="datetimeFigureOut">
               <a:rPr lang="en-US" smtClean="0"/>
               <a:pPr/>
-              <a:t>8/21/2022</a:t>
+              <a:t>8/23/2022</a:t>
             </a:fld>
             <a:endParaRPr lang="en-US" dirty="0"/>
           </a:p>
@@ -4228,7 +4228,7 @@
             <a:fld id="{B61BEF0D-F0BB-DE4B-95CE-6DB70DBA9567}" type="datetimeFigureOut">
               <a:rPr lang="en-US" smtClean="0"/>
               <a:pPr/>
-              <a:t>8/21/2022</a:t>
+              <a:t>8/23/2022</a:t>
             </a:fld>
             <a:endParaRPr lang="en-US" dirty="0"/>
           </a:p>
@@ -4407,7 +4407,7 @@
             <a:fld id="{B61BEF0D-F0BB-DE4B-95CE-6DB70DBA9567}" type="datetimeFigureOut">
               <a:rPr lang="en-US" smtClean="0"/>
               <a:pPr/>
-              <a:t>8/21/2022</a:t>
+              <a:t>8/23/2022</a:t>
             </a:fld>
             <a:endParaRPr lang="en-US" dirty="0"/>
           </a:p>
@@ -4742,7 +4742,7 @@
             <a:fld id="{B61BEF0D-F0BB-DE4B-95CE-6DB70DBA9567}" type="datetimeFigureOut">
               <a:rPr lang="en-US" smtClean="0"/>
               <a:pPr/>
-              <a:t>8/21/2022</a:t>
+              <a:t>8/23/2022</a:t>
             </a:fld>
             <a:endParaRPr lang="en-US" dirty="0"/>
           </a:p>
@@ -5089,7 +5089,7 @@
             <a:fld id="{B61BEF0D-F0BB-DE4B-95CE-6DB70DBA9567}" type="datetimeFigureOut">
               <a:rPr lang="en-US" smtClean="0"/>
               <a:pPr/>
-              <a:t>8/21/2022</a:t>
+              <a:t>8/23/2022</a:t>
             </a:fld>
             <a:endParaRPr lang="en-US" dirty="0"/>
           </a:p>
@@ -7208,7 +7208,7 @@
             <a:fld id="{B61BEF0D-F0BB-DE4B-95CE-6DB70DBA9567}" type="datetimeFigureOut">
               <a:rPr lang="en-US" smtClean="0"/>
               <a:pPr/>
-              <a:t>8/21/2022</a:t>
+              <a:t>8/23/2022</a:t>
             </a:fld>
             <a:endParaRPr lang="en-US" dirty="0"/>
           </a:p>
@@ -9428,10 +9428,10 @@
       </p:sp>
       <p:pic>
         <p:nvPicPr>
-          <p:cNvPr id="5" name="Content Placeholder 4">
+          <p:cNvPr id="7" name="Content Placeholder 6">
             <a:extLst>
               <a:ext uri="{FF2B5EF4-FFF2-40B4-BE49-F238E27FC236}">
-                <a16:creationId xmlns:a16="http://schemas.microsoft.com/office/drawing/2014/main" id="{80315FCF-FC51-44CE-81D8-44FF65EE1EDE}"/>
+                <a16:creationId xmlns:a16="http://schemas.microsoft.com/office/drawing/2014/main" id="{437606CF-1CEF-4554-85D4-6A775A62C31C}"/>
               </a:ext>
             </a:extLst>
           </p:cNvPr>
@@ -9450,8 +9450,8 @@
         </p:blipFill>
         <p:spPr>
           <a:xfrm>
-            <a:off x="1814797" y="1353124"/>
-            <a:ext cx="8562403" cy="4552607"/>
+            <a:off x="2086930" y="1248032"/>
+            <a:ext cx="8018139" cy="4663818"/>
           </a:xfrm>
         </p:spPr>
       </p:pic>
@@ -9740,8 +9740,8 @@
         </p:nvSpPr>
         <p:spPr>
           <a:xfrm>
-            <a:off x="840259" y="624110"/>
-            <a:ext cx="10664353" cy="1280890"/>
+            <a:off x="763823" y="163002"/>
+            <a:ext cx="10664353" cy="783776"/>
           </a:xfrm>
         </p:spPr>
         <p:txBody>
@@ -9775,12 +9775,14 @@
         </p:nvSpPr>
         <p:spPr>
           <a:xfrm>
-            <a:off x="840259" y="2133600"/>
-            <a:ext cx="10664353" cy="3777622"/>
+            <a:off x="931522" y="1320800"/>
+            <a:ext cx="10328955" cy="4677508"/>
           </a:xfrm>
         </p:spPr>
         <p:txBody>
-          <a:bodyPr/>
+          <a:bodyPr>
+            <a:normAutofit/>
+          </a:bodyPr>
           <a:lstStyle/>
           <a:p>
             <a:r>
@@ -9789,12 +9791,25 @@
             </a:r>
             <a:r>
               <a:rPr lang="en-US" dirty="0">
-                <a:hlinkClick r:id="rId2"/>
+                <a:solidFill>
+                  <a:srgbClr val="800000"/>
+                </a:solidFill>
+                <a:hlinkClick r:id="rId2">
+                  <a:extLst>
+                    <a:ext uri="{A12FA001-AC4F-418D-AE19-62706E023703}">
+                      <ahyp:hlinkClr xmlns:ahyp="http://schemas.microsoft.com/office/drawing/2018/hyperlinkcolor" val="tx"/>
+                    </a:ext>
+                  </a:extLst>
+                </a:hlinkClick>
               </a:rPr>
               <a:t>https://lyricsovh.docs.apiary.io/#</a:t>
             </a:r>
             <a:r>
-              <a:rPr lang="en-US" dirty="0"/>
+              <a:rPr lang="en-US" dirty="0">
+                <a:solidFill>
+                  <a:srgbClr val="800000"/>
+                </a:solidFill>
+              </a:rPr>
               <a:t> </a:t>
             </a:r>
           </a:p>
@@ -9813,11 +9828,24 @@
             </a:r>
             <a:r>
               <a:rPr lang="en-US" dirty="0">
-                <a:hlinkClick r:id="rId3"/>
+                <a:solidFill>
+                  <a:srgbClr val="800000"/>
+                </a:solidFill>
+                <a:hlinkClick r:id="rId3">
+                  <a:extLst>
+                    <a:ext uri="{A12FA001-AC4F-418D-AE19-62706E023703}">
+                      <ahyp:hlinkClr xmlns:ahyp="http://schemas.microsoft.com/office/drawing/2018/hyperlinkcolor" val="tx"/>
+                    </a:ext>
+                  </a:extLst>
+                </a:hlinkClick>
               </a:rPr>
               <a:t>https://www.kaggle.com/datasets/leonardopena/top50spotify2019</a:t>
             </a:r>
-            <a:endParaRPr lang="en-US" dirty="0"/>
+            <a:endParaRPr lang="en-US" dirty="0">
+              <a:solidFill>
+                <a:srgbClr val="800000"/>
+              </a:solidFill>
+            </a:endParaRPr>
           </a:p>
           <a:p>
             <a:r>
@@ -9834,11 +9862,61 @@
             </a:r>
             <a:r>
               <a:rPr lang="en-US" dirty="0">
-                <a:hlinkClick r:id="rId4"/>
+                <a:solidFill>
+                  <a:srgbClr val="800000"/>
+                </a:solidFill>
+                <a:hlinkClick r:id="rId4">
+                  <a:extLst>
+                    <a:ext uri="{A12FA001-AC4F-418D-AE19-62706E023703}">
+                      <ahyp:hlinkClr xmlns:ahyp="http://schemas.microsoft.com/office/drawing/2018/hyperlinkcolor" val="tx"/>
+                    </a:ext>
+                  </a:extLst>
+                </a:hlinkClick>
               </a:rPr>
               <a:t>https://www.kaggle.com/datasets/siddharthss/crop-recommendation-dataset?resource=download</a:t>
             </a:r>
-            <a:endParaRPr lang="en-US" dirty="0"/>
+            <a:endParaRPr lang="en-US" dirty="0">
+              <a:solidFill>
+                <a:srgbClr val="800000"/>
+              </a:solidFill>
+            </a:endParaRPr>
+          </a:p>
+          <a:p>
+            <a:r>
+              <a:rPr lang="en-US" dirty="0"/>
+              <a:t>Kuiper setup tutorial – </a:t>
+            </a:r>
+            <a:r>
+              <a:rPr lang="en-US" dirty="0" err="1"/>
+              <a:t>Projekat</a:t>
+            </a:r>
+            <a:r>
+              <a:rPr lang="en-US" dirty="0"/>
+              <a:t> 2 - </a:t>
+            </a:r>
+            <a:r>
+              <a:rPr lang="en-US" dirty="0">
+                <a:solidFill>
+                  <a:srgbClr val="800000"/>
+                </a:solidFill>
+                <a:hlinkClick r:id="rId5">
+                  <a:extLst>
+                    <a:ext uri="{A12FA001-AC4F-418D-AE19-62706E023703}">
+                      <ahyp:hlinkClr xmlns:ahyp="http://schemas.microsoft.com/office/drawing/2018/hyperlinkcolor" val="tx"/>
+                    </a:ext>
+                  </a:extLst>
+                </a:hlinkClick>
+              </a:rPr>
+              <a:t>https://github.com/sssteeefaaan/SOA-Projekat/tree/main/Projekat%20II</a:t>
+            </a:r>
+            <a:r>
+              <a:rPr lang="en-US" dirty="0">
+                <a:solidFill>
+                  <a:srgbClr val="800000"/>
+                </a:solidFill>
+              </a:rPr>
+              <a:t> </a:t>
+            </a:r>
           </a:p>
           <a:p>
             <a:r>
@@ -9855,12 +9933,66 @@
             </a:r>
             <a:r>
               <a:rPr lang="en-US" dirty="0">
-                <a:hlinkClick r:id="rId5"/>
+                <a:solidFill>
+                  <a:srgbClr val="800000"/>
+                </a:solidFill>
+                <a:hlinkClick r:id="rId6">
+                  <a:extLst>
+                    <a:ext uri="{A12FA001-AC4F-418D-AE19-62706E023703}">
+                      <ahyp:hlinkClr xmlns:ahyp="http://schemas.microsoft.com/office/drawing/2018/hyperlinkcolor" val="tx"/>
+                    </a:ext>
+                  </a:extLst>
+                </a:hlinkClick>
               </a:rPr>
               <a:t>https://www.kaggle.com/datasets/nelakurthisudheer/dataset-for-predicting-watering-the-plants</a:t>
             </a:r>
             <a:r>
-              <a:rPr lang="en-US" dirty="0"/>
+              <a:rPr lang="en-US" dirty="0">
+                <a:solidFill>
+                  <a:srgbClr val="800000"/>
+                </a:solidFill>
+              </a:rPr>
+              <a:t> </a:t>
+            </a:r>
+          </a:p>
+          <a:p>
+            <a:r>
+              <a:rPr lang="en-US" dirty="0" err="1"/>
+              <a:t>Edgex</a:t>
+            </a:r>
+            <a:r>
+              <a:rPr lang="en-US" dirty="0"/>
+              <a:t> setup tutorial – </a:t>
+            </a:r>
+            <a:r>
+              <a:rPr lang="en-US" dirty="0" err="1"/>
+              <a:t>Projekat</a:t>
+            </a:r>
+            <a:r>
+              <a:rPr lang="en-US" dirty="0"/>
+              <a:t> 3 - </a:t>
+            </a:r>
+            <a:r>
+              <a:rPr lang="en-US" dirty="0">
+                <a:solidFill>
+                  <a:srgbClr val="800000"/>
+                </a:solidFill>
+                <a:hlinkClick r:id="rId7">
+                  <a:extLst>
+                    <a:ext uri="{A12FA001-AC4F-418D-AE19-62706E023703}">
+                      <ahyp:hlinkClr xmlns:ahyp="http://schemas.microsoft.com/office/drawing/2018/hyperlinkcolor" val="tx"/>
+                    </a:ext>
+                  </a:extLst>
+                </a:hlinkClick>
+              </a:rPr>
+              <a:t>https://jonamiki.com/2020/08/26/edgex-foundry-hands-on-tutorial/</a:t>
+            </a:r>
+            <a:r>
+              <a:rPr lang="en-US" dirty="0">
+                <a:solidFill>
+                  <a:srgbClr val="800000"/>
+                </a:solidFill>
+              </a:rPr>
               <a:t> </a:t>
             </a:r>
           </a:p>
